--- a/Slides/Sweatshop 2/Workshop 2.pptx
+++ b/Slides/Sweatshop 2/Workshop 2.pptx
@@ -47,6 +47,12 @@
     <p:sldId id="292" r:id="rId44"/>
     <p:sldId id="293" r:id="rId45"/>
     <p:sldId id="294" r:id="rId46"/>
+    <p:sldId id="295" r:id="rId47"/>
+    <p:sldId id="296" r:id="rId48"/>
+    <p:sldId id="297" r:id="rId49"/>
+    <p:sldId id="298" r:id="rId50"/>
+    <p:sldId id="299" r:id="rId51"/>
+    <p:sldId id="300" r:id="rId52"/>
   </p:sldIdLst>
   <p:sldSz cx="13004800" cy="9753600"/>
   <p:notesSz cx="6858000" cy="9144000"/>
@@ -3165,35 +3171,14 @@
           <a:p>
             <a:pPr/>
             <a:r>
-              <a:t>More examples</a:t>
-            </a:r>
-          </a:p>
-        </p:txBody>
-      </p:sp>
-      <p:sp>
-        <p:nvSpPr>
-          <p:cNvPr id="150" name="Shape 150"/>
-          <p:cNvSpPr/>
-          <p:nvPr>
-            <p:ph type="body" idx="1"/>
-          </p:nvPr>
-        </p:nvSpPr>
-        <p:spPr>
-          <a:prstGeom prst="rect">
-            <a:avLst/>
-          </a:prstGeom>
-        </p:spPr>
-        <p:txBody>
-          <a:bodyPr/>
-          <a:lstStyle/>
-          <a:p>
-            <a:pPr/>
+              <a:t>PIZZA !</a:t>
+            </a:r>
           </a:p>
         </p:txBody>
       </p:sp>
       <p:pic>
         <p:nvPicPr>
-          <p:cNvPr id="151" name="pasted-image.png"/>
+          <p:cNvPr id="150" name="pasted-image.png"/>
           <p:cNvPicPr>
             <a:picLocks noChangeAspect="1"/>
           </p:cNvPicPr>
@@ -3209,8 +3194,8 @@
         </p:blipFill>
         <p:spPr>
           <a:xfrm>
-            <a:off x="3105286" y="2437745"/>
-            <a:ext cx="6794228" cy="6618010"/>
+            <a:off x="4762500" y="2800350"/>
+            <a:ext cx="3479800" cy="5930900"/>
           </a:xfrm>
           <a:prstGeom prst="rect">
             <a:avLst/>
@@ -3248,38 +3233,10 @@
       </p:grpSpPr>
       <p:sp>
         <p:nvSpPr>
-          <p:cNvPr id="153" name="Shape 153"/>
+          <p:cNvPr id="152" name="Shape 152"/>
           <p:cNvSpPr/>
           <p:nvPr>
             <p:ph type="title"/>
-          </p:nvPr>
-        </p:nvSpPr>
-        <p:spPr>
-          <a:prstGeom prst="rect">
-            <a:avLst/>
-          </a:prstGeom>
-        </p:spPr>
-        <p:txBody>
-          <a:bodyPr/>
-          <a:lstStyle>
-            <a:lvl1pPr defTabSz="554990">
-              <a:defRPr sz="7600"/>
-            </a:lvl1pPr>
-          </a:lstStyle>
-          <a:p>
-            <a:pPr/>
-            <a:r>
-              <a:t>PIZZA - what does it do ?</a:t>
-            </a:r>
-          </a:p>
-        </p:txBody>
-      </p:sp>
-      <p:sp>
-        <p:nvSpPr>
-          <p:cNvPr id="154" name="Shape 154"/>
-          <p:cNvSpPr/>
-          <p:nvPr>
-            <p:ph type="body" idx="1"/>
           </p:nvPr>
         </p:nvSpPr>
         <p:spPr>
@@ -3292,36 +3249,36 @@
           <a:lstStyle/>
           <a:p>
             <a:pPr/>
-          </a:p>
-          <a:p>
-            <a:pPr marL="444500" indent="-444500">
-              <a:defRPr sz="3300"/>
-            </a:pPr>
-            <a:r>
-              <a:t>Press on Order</a:t>
-            </a:r>
-          </a:p>
-          <a:p>
-            <a:pPr lvl="1">
-              <a:defRPr sz="3300"/>
-            </a:pPr>
-            <a:r>
-              <a:t>Check which checkboxes are press</a:t>
-            </a:r>
-          </a:p>
-          <a:p>
-            <a:pPr lvl="1">
-              <a:defRPr sz="3300"/>
-            </a:pPr>
-            <a:r>
-              <a:t>Set the order string inside the textview</a:t>
-            </a:r>
+            <a:r>
+              <a:t>More examples</a:t>
+            </a:r>
+          </a:p>
+        </p:txBody>
+      </p:sp>
+      <p:sp>
+        <p:nvSpPr>
+          <p:cNvPr id="153" name="Shape 153"/>
+          <p:cNvSpPr/>
+          <p:nvPr>
+            <p:ph type="body" idx="1"/>
+          </p:nvPr>
+        </p:nvSpPr>
+        <p:spPr>
+          <a:prstGeom prst="rect">
+            <a:avLst/>
+          </a:prstGeom>
+        </p:spPr>
+        <p:txBody>
+          <a:bodyPr/>
+          <a:lstStyle/>
+          <a:p>
+            <a:pPr/>
           </a:p>
         </p:txBody>
       </p:sp>
       <p:pic>
         <p:nvPicPr>
-          <p:cNvPr id="155" name="pasted-image.png"/>
+          <p:cNvPr id="154" name="pasted-image.png"/>
           <p:cNvPicPr>
             <a:picLocks noChangeAspect="1"/>
           </p:cNvPicPr>
@@ -3337,8 +3294,8 @@
         </p:blipFill>
         <p:spPr>
           <a:xfrm>
-            <a:off x="9251437" y="2774950"/>
-            <a:ext cx="2838963" cy="4838670"/>
+            <a:off x="3105286" y="2437745"/>
+            <a:ext cx="6794228" cy="6618010"/>
           </a:xfrm>
           <a:prstGeom prst="rect">
             <a:avLst/>
@@ -3376,7 +3333,7 @@
       </p:grpSpPr>
       <p:sp>
         <p:nvSpPr>
-          <p:cNvPr id="157" name="Shape 157"/>
+          <p:cNvPr id="156" name="Shape 156"/>
           <p:cNvSpPr/>
           <p:nvPr>
             <p:ph type="title"/>
@@ -3390,21 +3347,21 @@
         <p:txBody>
           <a:bodyPr/>
           <a:lstStyle>
-            <a:lvl1pPr defTabSz="490727">
-              <a:defRPr sz="6719"/>
+            <a:lvl1pPr defTabSz="554990">
+              <a:defRPr sz="7600"/>
             </a:lvl1pPr>
           </a:lstStyle>
           <a:p>
             <a:pPr/>
             <a:r>
-              <a:t>Pizza instructions - layout designer</a:t>
-            </a:r>
-          </a:p>
-        </p:txBody>
-      </p:sp>
-      <p:sp>
-        <p:nvSpPr>
-          <p:cNvPr id="158" name="Shape 158"/>
+              <a:t>PIZZA - what does it do ?</a:t>
+            </a:r>
+          </a:p>
+        </p:txBody>
+      </p:sp>
+      <p:sp>
+        <p:nvSpPr>
+          <p:cNvPr id="157" name="Shape 157"/>
           <p:cNvSpPr/>
           <p:nvPr>
             <p:ph type="body" idx="1"/>
@@ -3422,40 +3379,34 @@
             <a:pPr/>
           </a:p>
           <a:p>
-            <a:pPr/>
-            <a:r>
-              <a:t>Drag checkboxes</a:t>
-            </a:r>
-          </a:p>
-          <a:p>
-            <a:pPr/>
-            <a:r>
-              <a:t>Drag buttons</a:t>
-            </a:r>
-          </a:p>
-          <a:p>
-            <a:pPr/>
-            <a:r>
-              <a:t>Drag a large TextView</a:t>
-            </a:r>
-          </a:p>
-          <a:p>
-            <a:pPr/>
-            <a:r>
-              <a:t>Remove the HelloWorld</a:t>
-            </a:r>
-          </a:p>
-          <a:p>
-            <a:pPr/>
-            <a:r>
-              <a:t>Change the id’s to match </a:t>
+            <a:pPr marL="444500" indent="-444500">
+              <a:defRPr sz="3300"/>
+            </a:pPr>
+            <a:r>
+              <a:t>Press on Order</a:t>
+            </a:r>
+          </a:p>
+          <a:p>
+            <a:pPr lvl="1">
+              <a:defRPr sz="3300"/>
+            </a:pPr>
+            <a:r>
+              <a:t>Check which checkboxes are press</a:t>
+            </a:r>
+          </a:p>
+          <a:p>
+            <a:pPr lvl="1">
+              <a:defRPr sz="3300"/>
+            </a:pPr>
+            <a:r>
+              <a:t>Set the order string inside the textview</a:t>
             </a:r>
           </a:p>
         </p:txBody>
       </p:sp>
       <p:pic>
         <p:nvPicPr>
-          <p:cNvPr id="159" name="pasted-image.png"/>
+          <p:cNvPr id="158" name="pasted-image.png"/>
           <p:cNvPicPr>
             <a:picLocks noChangeAspect="1"/>
           </p:cNvPicPr>
@@ -3471,8 +3422,8 @@
         </p:blipFill>
         <p:spPr>
           <a:xfrm>
-            <a:off x="7874000" y="2781300"/>
-            <a:ext cx="3479800" cy="5930900"/>
+            <a:off x="9251437" y="2774950"/>
+            <a:ext cx="2838963" cy="4838670"/>
           </a:xfrm>
           <a:prstGeom prst="rect">
             <a:avLst/>
@@ -3510,10 +3461,38 @@
       </p:grpSpPr>
       <p:sp>
         <p:nvSpPr>
+          <p:cNvPr id="160" name="Shape 160"/>
+          <p:cNvSpPr/>
+          <p:nvPr>
+            <p:ph type="title"/>
+          </p:nvPr>
+        </p:nvSpPr>
+        <p:spPr>
+          <a:prstGeom prst="rect">
+            <a:avLst/>
+          </a:prstGeom>
+        </p:spPr>
+        <p:txBody>
+          <a:bodyPr/>
+          <a:lstStyle>
+            <a:lvl1pPr defTabSz="490727">
+              <a:defRPr sz="6719"/>
+            </a:lvl1pPr>
+          </a:lstStyle>
+          <a:p>
+            <a:pPr/>
+            <a:r>
+              <a:t>Pizza instructions - layout designer</a:t>
+            </a:r>
+          </a:p>
+        </p:txBody>
+      </p:sp>
+      <p:sp>
+        <p:nvSpPr>
           <p:cNvPr id="161" name="Shape 161"/>
           <p:cNvSpPr/>
           <p:nvPr>
-            <p:ph type="title"/>
+            <p:ph type="body" idx="1"/>
           </p:nvPr>
         </p:nvSpPr>
         <p:spPr>
@@ -3526,54 +3505,68 @@
           <a:lstStyle/>
           <a:p>
             <a:pPr/>
-            <a:r>
-              <a:t>PIZZA - MainActivity</a:t>
-            </a:r>
-          </a:p>
-        </p:txBody>
-      </p:sp>
-      <p:sp>
-        <p:nvSpPr>
-          <p:cNvPr id="162" name="Shape 162"/>
-          <p:cNvSpPr/>
-          <p:nvPr>
-            <p:ph type="body" idx="1"/>
-          </p:nvPr>
-        </p:nvSpPr>
-        <p:spPr>
-          <a:prstGeom prst="rect">
-            <a:avLst/>
-          </a:prstGeom>
-        </p:spPr>
-        <p:txBody>
-          <a:bodyPr/>
-          <a:lstStyle/>
-          <a:p>
-            <a:pPr/>
-            <a:r>
-              <a:t>add Class members - all of the views</a:t>
-            </a:r>
-          </a:p>
-          <a:p>
-            <a:pPr lvl="1"/>
-            <a:r>
-              <a:t>private CheckBox …</a:t>
-            </a:r>
-          </a:p>
-          <a:p>
-            <a:pPr/>
-            <a:r>
-              <a:t>set them using findViewById(R.id.view_id)</a:t>
-            </a:r>
-          </a:p>
-          <a:p>
-            <a:pPr lvl="1"/>
-            <a:r>
-              <a:t>garlicCheckBox = findByViewId…</a:t>
-            </a:r>
-          </a:p>
-        </p:txBody>
-      </p:sp>
+          </a:p>
+          <a:p>
+            <a:pPr/>
+            <a:r>
+              <a:t>Drag checkboxes</a:t>
+            </a:r>
+          </a:p>
+          <a:p>
+            <a:pPr/>
+            <a:r>
+              <a:t>Drag buttons</a:t>
+            </a:r>
+          </a:p>
+          <a:p>
+            <a:pPr/>
+            <a:r>
+              <a:t>Drag a large TextView</a:t>
+            </a:r>
+          </a:p>
+          <a:p>
+            <a:pPr/>
+            <a:r>
+              <a:t>Remove the HelloWorld</a:t>
+            </a:r>
+          </a:p>
+          <a:p>
+            <a:pPr/>
+            <a:r>
+              <a:t>Change the id’s to match </a:t>
+            </a:r>
+          </a:p>
+        </p:txBody>
+      </p:sp>
+      <p:pic>
+        <p:nvPicPr>
+          <p:cNvPr id="162" name="pasted-image.png"/>
+          <p:cNvPicPr>
+            <a:picLocks noChangeAspect="1"/>
+          </p:cNvPicPr>
+          <p:nvPr/>
+        </p:nvPicPr>
+        <p:blipFill>
+          <a:blip r:embed="rId2">
+            <a:extLst/>
+          </a:blip>
+          <a:stretch>
+            <a:fillRect/>
+          </a:stretch>
+        </p:blipFill>
+        <p:spPr>
+          <a:xfrm>
+            <a:off x="7874000" y="2781300"/>
+            <a:ext cx="3479800" cy="5930900"/>
+          </a:xfrm>
+          <a:prstGeom prst="rect">
+            <a:avLst/>
+          </a:prstGeom>
+          <a:ln w="12700">
+            <a:miter lim="400000"/>
+          </a:ln>
+        </p:spPr>
+      </p:pic>
     </p:spTree>
   </p:cSld>
   <p:clrMapOvr>
@@ -3615,15 +3608,11 @@
         </p:spPr>
         <p:txBody>
           <a:bodyPr/>
-          <a:lstStyle>
-            <a:lvl1pPr defTabSz="490727">
-              <a:defRPr sz="6719"/>
-            </a:lvl1pPr>
-          </a:lstStyle>
-          <a:p>
-            <a:pPr/>
-            <a:r>
-              <a:t>MainActivity - onClickListener</a:t>
+          <a:lstStyle/>
+          <a:p>
+            <a:pPr/>
+            <a:r>
+              <a:t>PIZZA - MainActivity</a:t>
             </a:r>
           </a:p>
         </p:txBody>
@@ -3637,10 +3626,6 @@
           </p:nvPr>
         </p:nvSpPr>
         <p:spPr>
-          <a:xfrm>
-            <a:off x="952500" y="2609850"/>
-            <a:ext cx="11099800" cy="6286500"/>
-          </a:xfrm>
           <a:prstGeom prst="rect">
             <a:avLst/>
           </a:prstGeom>
@@ -3651,19 +3636,25 @@
           <a:p>
             <a:pPr/>
             <a:r>
-              <a:t>Set our Order button OnClickListener</a:t>
+              <a:t>add Class members - all of the views</a:t>
             </a:r>
           </a:p>
           <a:p>
             <a:pPr lvl="1"/>
             <a:r>
-              <a:t>Check checkboxes ;)</a:t>
+              <a:t>private CheckBox …</a:t>
+            </a:r>
+          </a:p>
+          <a:p>
+            <a:pPr/>
+            <a:r>
+              <a:t>set them using findViewById(R.id.view_id)</a:t>
             </a:r>
           </a:p>
           <a:p>
             <a:pPr lvl="1"/>
             <a:r>
-              <a:t>Update string</a:t>
+              <a:t>garlicCheckBox = findByViewId…</a:t>
             </a:r>
           </a:p>
         </p:txBody>
@@ -3709,11 +3700,15 @@
         </p:spPr>
         <p:txBody>
           <a:bodyPr/>
-          <a:lstStyle/>
-          <a:p>
-            <a:pPr/>
-            <a:r>
-              <a:t>Improvements </a:t>
+          <a:lstStyle>
+            <a:lvl1pPr defTabSz="490727">
+              <a:defRPr sz="6719"/>
+            </a:lvl1pPr>
+          </a:lstStyle>
+          <a:p>
+            <a:pPr/>
+            <a:r>
+              <a:t>MainActivity - onClickListener</a:t>
             </a:r>
           </a:p>
         </p:txBody>
@@ -3727,6 +3722,10 @@
           </p:nvPr>
         </p:nvSpPr>
         <p:spPr>
+          <a:xfrm>
+            <a:off x="952500" y="2609850"/>
+            <a:ext cx="11099800" cy="6286500"/>
+          </a:xfrm>
           <a:prstGeom prst="rect">
             <a:avLst/>
           </a:prstGeom>
@@ -3736,6 +3735,21 @@
           <a:lstStyle/>
           <a:p>
             <a:pPr/>
+            <a:r>
+              <a:t>Set our Order button OnClickListener</a:t>
+            </a:r>
+          </a:p>
+          <a:p>
+            <a:pPr lvl="1"/>
+            <a:r>
+              <a:t>Check checkboxes ;)</a:t>
+            </a:r>
+          </a:p>
+          <a:p>
+            <a:pPr lvl="1"/>
+            <a:r>
+              <a:t>Update string</a:t>
+            </a:r>
           </a:p>
         </p:txBody>
       </p:sp>
@@ -3770,7 +3784,7 @@
           <p:cNvPr id="170" name="Shape 170"/>
           <p:cNvSpPr/>
           <p:nvPr>
-            <p:ph type="ctrTitle"/>
+            <p:ph type="title"/>
           </p:nvPr>
         </p:nvSpPr>
         <p:spPr>
@@ -3784,7 +3798,7 @@
           <a:p>
             <a:pPr/>
             <a:r>
-              <a:t>TODO app</a:t>
+              <a:t>Checkbox != Chessbox</a:t>
             </a:r>
           </a:p>
         </p:txBody>
@@ -3794,7 +3808,7 @@
           <p:cNvPr id="171" name="Shape 171"/>
           <p:cNvSpPr/>
           <p:nvPr>
-            <p:ph type="subTitle" sz="quarter" idx="1"/>
+            <p:ph type="body" idx="1"/>
           </p:nvPr>
         </p:nvSpPr>
         <p:spPr>
@@ -3810,6 +3824,35 @@
           </a:p>
         </p:txBody>
       </p:sp>
+      <p:pic>
+        <p:nvPicPr>
+          <p:cNvPr id="172" name="pasted-image.png"/>
+          <p:cNvPicPr>
+            <a:picLocks noChangeAspect="1"/>
+          </p:cNvPicPr>
+          <p:nvPr/>
+        </p:nvPicPr>
+        <p:blipFill>
+          <a:blip r:embed="rId2">
+            <a:extLst/>
+          </a:blip>
+          <a:stretch>
+            <a:fillRect/>
+          </a:stretch>
+        </p:blipFill>
+        <p:spPr>
+          <a:xfrm>
+            <a:off x="127000" y="2216150"/>
+            <a:ext cx="13004800" cy="7315200"/>
+          </a:xfrm>
+          <a:prstGeom prst="rect">
+            <a:avLst/>
+          </a:prstGeom>
+          <a:ln w="12700">
+            <a:miter lim="400000"/>
+          </a:ln>
+        </p:spPr>
+      </p:pic>
     </p:spTree>
   </p:cSld>
   <p:clrMapOvr>
@@ -3838,10 +3881,42 @@
       </p:grpSpPr>
       <p:sp>
         <p:nvSpPr>
-          <p:cNvPr id="173" name="Shape 173"/>
+          <p:cNvPr id="174" name="Shape 174"/>
           <p:cNvSpPr/>
           <p:nvPr>
             <p:ph type="title"/>
+          </p:nvPr>
+        </p:nvSpPr>
+        <p:spPr>
+          <a:xfrm>
+            <a:off x="965200" y="444500"/>
+            <a:ext cx="11099800" cy="2159000"/>
+          </a:xfrm>
+          <a:prstGeom prst="rect">
+            <a:avLst/>
+          </a:prstGeom>
+        </p:spPr>
+        <p:txBody>
+          <a:bodyPr/>
+          <a:lstStyle>
+            <a:lvl1pPr defTabSz="490727">
+              <a:defRPr sz="6719"/>
+            </a:lvl1pPr>
+          </a:lstStyle>
+          <a:p>
+            <a:pPr/>
+            <a:r>
+              <a:t>Adding a bitmap to an ImageView</a:t>
+            </a:r>
+          </a:p>
+        </p:txBody>
+      </p:sp>
+      <p:sp>
+        <p:nvSpPr>
+          <p:cNvPr id="175" name="Shape 175"/>
+          <p:cNvSpPr/>
+          <p:nvPr>
+            <p:ph type="body" idx="1"/>
           </p:nvPr>
         </p:nvSpPr>
         <p:spPr>
@@ -3855,43 +3930,25 @@
           <a:p>
             <a:pPr/>
             <a:r>
-              <a:t>TODO lists are useful</a:t>
-            </a:r>
-          </a:p>
-        </p:txBody>
-      </p:sp>
-      <p:sp>
-        <p:nvSpPr>
-          <p:cNvPr id="174" name="Shape 174"/>
-          <p:cNvSpPr/>
-          <p:nvPr>
-            <p:ph type="body" idx="1"/>
-          </p:nvPr>
-        </p:nvSpPr>
-        <p:spPr>
-          <a:prstGeom prst="rect">
-            <a:avLst/>
-          </a:prstGeom>
-        </p:spPr>
-        <p:txBody>
-          <a:bodyPr/>
-          <a:lstStyle/>
-          <a:p>
-            <a:pPr/>
-            <a:r>
-              <a:t>We’re gonna learn more about Android UI </a:t>
-            </a:r>
-          </a:p>
-          <a:p>
-            <a:pPr/>
-            <a:r>
-              <a:t>Activities and intents </a:t>
-            </a:r>
-          </a:p>
-          <a:p>
-            <a:pPr/>
-            <a:r>
-              <a:t>Later: fragments, action bars, preferences, sql </a:t>
+              <a:t>Search for a pizza photo on google </a:t>
+            </a:r>
+          </a:p>
+          <a:p>
+            <a:pPr/>
+            <a:r>
+              <a:t>Add it to the drawable folder </a:t>
+            </a:r>
+          </a:p>
+          <a:p>
+            <a:pPr/>
+            <a:r>
+              <a:t>Add an ImageView to the layout </a:t>
+            </a:r>
+          </a:p>
+          <a:p>
+            <a:pPr/>
+            <a:r>
+              <a:t>Load </a:t>
             </a:r>
           </a:p>
         </p:txBody>
@@ -3924,10 +3981,10 @@
       </p:grpSpPr>
       <p:sp>
         <p:nvSpPr>
-          <p:cNvPr id="176" name="Shape 176"/>
-          <p:cNvSpPr/>
-          <p:nvPr>
-            <p:ph type="title"/>
+          <p:cNvPr id="177" name="Shape 177"/>
+          <p:cNvSpPr/>
+          <p:nvPr>
+            <p:ph type="ctrTitle"/>
           </p:nvPr>
         </p:nvSpPr>
         <p:spPr>
@@ -3941,17 +3998,17 @@
           <a:p>
             <a:pPr/>
             <a:r>
-              <a:t>simple</a:t>
-            </a:r>
-          </a:p>
-        </p:txBody>
-      </p:sp>
-      <p:sp>
-        <p:nvSpPr>
-          <p:cNvPr id="177" name="Shape 177"/>
-          <p:cNvSpPr/>
-          <p:nvPr>
-            <p:ph type="body" idx="1"/>
+              <a:t>TODO app</a:t>
+            </a:r>
+          </a:p>
+        </p:txBody>
+      </p:sp>
+      <p:sp>
+        <p:nvSpPr>
+          <p:cNvPr id="178" name="Shape 178"/>
+          <p:cNvSpPr/>
+          <p:nvPr>
+            <p:ph type="subTitle" sz="quarter" idx="1"/>
           </p:nvPr>
         </p:nvSpPr>
         <p:spPr>
@@ -3964,96 +4021,12 @@
           <a:lstStyle/>
           <a:p>
             <a:pPr/>
-          </a:p>
-        </p:txBody>
-      </p:sp>
-      <p:pic>
-        <p:nvPicPr>
-          <p:cNvPr id="178" name="pasted-image.png"/>
-          <p:cNvPicPr>
-            <a:picLocks noChangeAspect="1"/>
-          </p:cNvPicPr>
-          <p:nvPr/>
-        </p:nvPicPr>
-        <p:blipFill>
-          <a:blip r:embed="rId2">
-            <a:extLst/>
-          </a:blip>
-          <a:stretch>
-            <a:fillRect/>
-          </a:stretch>
-        </p:blipFill>
-        <p:spPr>
-          <a:xfrm>
-            <a:off x="1453677" y="3517900"/>
-            <a:ext cx="2308861" cy="3848100"/>
-          </a:xfrm>
-          <a:prstGeom prst="rect">
-            <a:avLst/>
-          </a:prstGeom>
-          <a:ln w="12700">
-            <a:miter lim="400000"/>
-          </a:ln>
-        </p:spPr>
-      </p:pic>
-      <p:pic>
-        <p:nvPicPr>
-          <p:cNvPr id="179" name="pasted-image.png"/>
-          <p:cNvPicPr>
-            <a:picLocks noChangeAspect="1"/>
-          </p:cNvPicPr>
-          <p:nvPr/>
-        </p:nvPicPr>
-        <p:blipFill>
-          <a:blip r:embed="rId3">
-            <a:extLst/>
-          </a:blip>
-          <a:stretch>
-            <a:fillRect/>
-          </a:stretch>
-        </p:blipFill>
-        <p:spPr>
-          <a:xfrm>
-            <a:off x="5468582" y="3517900"/>
-            <a:ext cx="2321760" cy="3848100"/>
-          </a:xfrm>
-          <a:prstGeom prst="rect">
-            <a:avLst/>
-          </a:prstGeom>
-          <a:ln w="12700">
-            <a:miter lim="400000"/>
-          </a:ln>
-        </p:spPr>
-      </p:pic>
-      <p:pic>
-        <p:nvPicPr>
-          <p:cNvPr id="180" name="pasted-image.png"/>
-          <p:cNvPicPr>
-            <a:picLocks noChangeAspect="1"/>
-          </p:cNvPicPr>
-          <p:nvPr/>
-        </p:nvPicPr>
-        <p:blipFill>
-          <a:blip r:embed="rId4">
-            <a:extLst/>
-          </a:blip>
-          <a:stretch>
-            <a:fillRect/>
-          </a:stretch>
-        </p:blipFill>
-        <p:spPr>
-          <a:xfrm>
-            <a:off x="9322239" y="3522756"/>
-            <a:ext cx="2228884" cy="3965615"/>
-          </a:xfrm>
-          <a:prstGeom prst="rect">
-            <a:avLst/>
-          </a:prstGeom>
-          <a:ln w="12700">
-            <a:miter lim="400000"/>
-          </a:ln>
-        </p:spPr>
-      </p:pic>
+            <a:r>
+              <a:t>Waba laba dab dab</a:t>
+            </a:r>
+          </a:p>
+        </p:txBody>
+      </p:sp>
     </p:spTree>
   </p:cSld>
   <p:clrMapOvr>
@@ -4080,59 +4053,62 @@
           <a:chExt cx="0" cy="0"/>
         </a:xfrm>
       </p:grpSpPr>
-      <p:pic>
-        <p:nvPicPr>
-          <p:cNvPr id="182" name="pasted-image.png"/>
-          <p:cNvPicPr>
-            <a:picLocks noChangeAspect="1"/>
-          </p:cNvPicPr>
-          <p:nvPr/>
-        </p:nvPicPr>
-        <p:blipFill>
-          <a:blip r:embed="rId2">
-            <a:extLst/>
-          </a:blip>
-          <a:stretch>
-            <a:fillRect/>
-          </a:stretch>
-        </p:blipFill>
-        <p:spPr>
-          <a:xfrm>
-            <a:off x="2768600" y="3143250"/>
-            <a:ext cx="8128000" cy="4914900"/>
-          </a:xfrm>
-          <a:prstGeom prst="rect">
-            <a:avLst/>
-          </a:prstGeom>
-          <a:ln w="12700">
-            <a:miter lim="400000"/>
-          </a:ln>
-        </p:spPr>
-      </p:pic>
-      <p:sp>
-        <p:nvSpPr>
-          <p:cNvPr id="183" name="Shape 183"/>
-          <p:cNvSpPr/>
-          <p:nvPr>
-            <p:ph type="ctrTitle"/>
-          </p:nvPr>
-        </p:nvSpPr>
-        <p:spPr>
-          <a:xfrm>
-            <a:off x="952500" y="444500"/>
-            <a:ext cx="11099800" cy="2159000"/>
-          </a:xfrm>
-          <a:prstGeom prst="rect">
-            <a:avLst/>
-          </a:prstGeom>
-        </p:spPr>
-        <p:txBody>
-          <a:bodyPr anchor="ctr"/>
+      <p:sp>
+        <p:nvSpPr>
+          <p:cNvPr id="180" name="Shape 180"/>
+          <p:cNvSpPr/>
+          <p:nvPr>
+            <p:ph type="title"/>
+          </p:nvPr>
+        </p:nvSpPr>
+        <p:spPr>
+          <a:prstGeom prst="rect">
+            <a:avLst/>
+          </a:prstGeom>
+        </p:spPr>
+        <p:txBody>
+          <a:bodyPr/>
           <a:lstStyle/>
           <a:p>
             <a:pPr/>
             <a:r>
-              <a:t>Complex</a:t>
+              <a:t>TODO lists are useful</a:t>
+            </a:r>
+          </a:p>
+        </p:txBody>
+      </p:sp>
+      <p:sp>
+        <p:nvSpPr>
+          <p:cNvPr id="181" name="Shape 181"/>
+          <p:cNvSpPr/>
+          <p:nvPr>
+            <p:ph type="body" idx="1"/>
+          </p:nvPr>
+        </p:nvSpPr>
+        <p:spPr>
+          <a:prstGeom prst="rect">
+            <a:avLst/>
+          </a:prstGeom>
+        </p:spPr>
+        <p:txBody>
+          <a:bodyPr/>
+          <a:lstStyle/>
+          <a:p>
+            <a:pPr/>
+            <a:r>
+              <a:t>We’re gonna learn more about Android UI </a:t>
+            </a:r>
+          </a:p>
+          <a:p>
+            <a:pPr/>
+            <a:r>
+              <a:t>Activities and intents </a:t>
+            </a:r>
+          </a:p>
+          <a:p>
+            <a:pPr/>
+            <a:r>
+              <a:t>Later: fragments, action bars, preferences, sql </a:t>
             </a:r>
           </a:p>
         </p:txBody>
@@ -4182,7 +4158,7 @@
           <a:p>
             <a:pPr/>
             <a:r>
-              <a:t>Last episode</a:t>
+              <a:t>Side note</a:t>
             </a:r>
           </a:p>
         </p:txBody>
@@ -4206,37 +4182,46 @@
           <a:p>
             <a:pPr/>
             <a:r>
-              <a:t>Activity lifecycle </a:t>
-            </a:r>
-          </a:p>
-          <a:p>
-            <a:pPr/>
-            <a:r>
-              <a:t>Logcat</a:t>
-            </a:r>
-          </a:p>
-          <a:p>
-            <a:pPr/>
-            <a:r>
-              <a:t>Layouts</a:t>
-            </a:r>
-          </a:p>
-          <a:p>
-            <a:pPr lvl="1"/>
-            <a:r>
-              <a:t>MATCH_PARENT vs WRAP_CONTENT</a:t>
-            </a:r>
-          </a:p>
-          <a:p>
-            <a:pPr/>
-            <a:r>
-              <a:t>Views</a:t>
-            </a:r>
-          </a:p>
-          <a:p>
-            <a:pPr lvl="1"/>
-            <a:r>
-              <a:t>OnClickListener</a:t>
+              <a:t>During the session we </a:t>
+            </a:r>
+            <a:r>
+              <a:rPr b="1">
+                <a:latin typeface="Helvetica"/>
+                <a:ea typeface="Helvetica"/>
+                <a:cs typeface="Helvetica"/>
+                <a:sym typeface="Helvetica"/>
+              </a:rPr>
+              <a:t>didn't got to the TODO app</a:t>
+            </a:r>
+            <a:r>
+              <a:t> </a:t>
+            </a:r>
+          </a:p>
+          <a:p>
+            <a:pPr/>
+            <a:r>
+              <a:t>We did cover </a:t>
+            </a:r>
+            <a:r>
+              <a:rPr b="1">
+                <a:latin typeface="Helvetica"/>
+                <a:ea typeface="Helvetica"/>
+                <a:cs typeface="Helvetica"/>
+                <a:sym typeface="Helvetica"/>
+              </a:rPr>
+              <a:t>Intents</a:t>
+            </a:r>
+            <a:r>
+              <a:t> and how to</a:t>
+            </a:r>
+            <a:r>
+              <a:rPr b="1">
+                <a:latin typeface="Helvetica"/>
+                <a:ea typeface="Helvetica"/>
+                <a:cs typeface="Helvetica"/>
+                <a:sym typeface="Helvetica"/>
+              </a:rPr>
+              <a:t> start a new activity</a:t>
             </a:r>
           </a:p>
         </p:txBody>
@@ -4269,7 +4254,7 @@
       </p:grpSpPr>
       <p:sp>
         <p:nvSpPr>
-          <p:cNvPr id="185" name="Shape 185"/>
+          <p:cNvPr id="183" name="Shape 183"/>
           <p:cNvSpPr/>
           <p:nvPr>
             <p:ph type="title"/>
@@ -4286,14 +4271,14 @@
           <a:p>
             <a:pPr/>
             <a:r>
-              <a:t>NoteListActivity</a:t>
-            </a:r>
-          </a:p>
-        </p:txBody>
-      </p:sp>
-      <p:sp>
-        <p:nvSpPr>
-          <p:cNvPr id="186" name="Shape 186"/>
+              <a:t>simple</a:t>
+            </a:r>
+          </a:p>
+        </p:txBody>
+      </p:sp>
+      <p:sp>
+        <p:nvSpPr>
+          <p:cNvPr id="184" name="Shape 184"/>
           <p:cNvSpPr/>
           <p:nvPr>
             <p:ph type="body" idx="1"/>
@@ -4309,39 +4294,12 @@
           <a:lstStyle/>
           <a:p>
             <a:pPr/>
-            <a:r>
-              <a:t>Design the layout</a:t>
-            </a:r>
-          </a:p>
-          <a:p>
-            <a:pPr lvl="1"/>
-            <a:r>
-              <a:t>ListView</a:t>
-            </a:r>
-          </a:p>
-          <a:p>
-            <a:pPr/>
-            <a:r>
-              <a:t>Add TODO item button </a:t>
-            </a:r>
-          </a:p>
-          <a:p>
-            <a:pPr lvl="1"/>
-            <a:r>
-              <a:t>notify the adapter list changed</a:t>
-            </a:r>
-          </a:p>
-          <a:p>
-            <a:pPr/>
-            <a:r>
-              <a:t>Later: onClick() of item starts EditActivity </a:t>
-            </a:r>
           </a:p>
         </p:txBody>
       </p:sp>
       <p:pic>
         <p:nvPicPr>
-          <p:cNvPr id="187" name="pasted-image.png"/>
+          <p:cNvPr id="185" name="pasted-image.png"/>
           <p:cNvPicPr>
             <a:picLocks noChangeAspect="1"/>
           </p:cNvPicPr>
@@ -4357,8 +4315,66 @@
         </p:blipFill>
         <p:spPr>
           <a:xfrm>
-            <a:off x="8854082" y="2893992"/>
-            <a:ext cx="2228884" cy="3965616"/>
+            <a:off x="1453677" y="3517900"/>
+            <a:ext cx="2308861" cy="3848100"/>
+          </a:xfrm>
+          <a:prstGeom prst="rect">
+            <a:avLst/>
+          </a:prstGeom>
+          <a:ln w="12700">
+            <a:miter lim="400000"/>
+          </a:ln>
+        </p:spPr>
+      </p:pic>
+      <p:pic>
+        <p:nvPicPr>
+          <p:cNvPr id="186" name="pasted-image.png"/>
+          <p:cNvPicPr>
+            <a:picLocks noChangeAspect="1"/>
+          </p:cNvPicPr>
+          <p:nvPr/>
+        </p:nvPicPr>
+        <p:blipFill>
+          <a:blip r:embed="rId3">
+            <a:extLst/>
+          </a:blip>
+          <a:stretch>
+            <a:fillRect/>
+          </a:stretch>
+        </p:blipFill>
+        <p:spPr>
+          <a:xfrm>
+            <a:off x="5468582" y="3517900"/>
+            <a:ext cx="2321760" cy="3848100"/>
+          </a:xfrm>
+          <a:prstGeom prst="rect">
+            <a:avLst/>
+          </a:prstGeom>
+          <a:ln w="12700">
+            <a:miter lim="400000"/>
+          </a:ln>
+        </p:spPr>
+      </p:pic>
+      <p:pic>
+        <p:nvPicPr>
+          <p:cNvPr id="187" name="pasted-image.png"/>
+          <p:cNvPicPr>
+            <a:picLocks noChangeAspect="1"/>
+          </p:cNvPicPr>
+          <p:nvPr/>
+        </p:nvPicPr>
+        <p:blipFill>
+          <a:blip r:embed="rId4">
+            <a:extLst/>
+          </a:blip>
+          <a:stretch>
+            <a:fillRect/>
+          </a:stretch>
+        </p:blipFill>
+        <p:spPr>
+          <a:xfrm>
+            <a:off x="9322239" y="3522756"/>
+            <a:ext cx="2228884" cy="3965615"/>
           </a:xfrm>
           <a:prstGeom prst="rect">
             <a:avLst/>
@@ -4394,61 +4410,9 @@
           <a:chExt cx="0" cy="0"/>
         </a:xfrm>
       </p:grpSpPr>
-      <p:sp>
-        <p:nvSpPr>
-          <p:cNvPr id="189" name="Shape 189"/>
-          <p:cNvSpPr/>
-          <p:nvPr>
-            <p:ph type="title"/>
-          </p:nvPr>
-        </p:nvSpPr>
-        <p:spPr>
-          <a:prstGeom prst="rect">
-            <a:avLst/>
-          </a:prstGeom>
-        </p:spPr>
-        <p:txBody>
-          <a:bodyPr/>
-          <a:lstStyle>
-            <a:lvl1pPr defTabSz="490727">
-              <a:defRPr sz="6719"/>
-            </a:lvl1pPr>
-          </a:lstStyle>
-          <a:p>
-            <a:pPr/>
-            <a:r>
-              <a:t>Adapter class as an Android design pattern</a:t>
-            </a:r>
-          </a:p>
-        </p:txBody>
-      </p:sp>
-      <p:sp>
-        <p:nvSpPr>
-          <p:cNvPr id="190" name="Shape 190"/>
-          <p:cNvSpPr/>
-          <p:nvPr>
-            <p:ph type="body" idx="1"/>
-          </p:nvPr>
-        </p:nvSpPr>
-        <p:spPr>
-          <a:prstGeom prst="rect">
-            <a:avLst/>
-          </a:prstGeom>
-        </p:spPr>
-        <p:txBody>
-          <a:bodyPr/>
-          <a:lstStyle/>
-          <a:p>
-            <a:pPr/>
-            <a:r>
-              <a:t>The Adapter pattern allows two incompatible classes to work together by converting the interface of one class into an interface expected by the clients. </a:t>
-            </a:r>
-          </a:p>
-        </p:txBody>
-      </p:sp>
       <p:pic>
         <p:nvPicPr>
-          <p:cNvPr id="191" name="pasted-image.png"/>
+          <p:cNvPr id="189" name="pasted-image.png"/>
           <p:cNvPicPr>
             <a:picLocks noChangeAspect="1"/>
           </p:cNvPicPr>
@@ -4464,8 +4428,8 @@
         </p:blipFill>
         <p:spPr>
           <a:xfrm>
-            <a:off x="4597400" y="6661150"/>
-            <a:ext cx="3810000" cy="2133600"/>
+            <a:off x="2768600" y="3143250"/>
+            <a:ext cx="8128000" cy="4914900"/>
           </a:xfrm>
           <a:prstGeom prst="rect">
             <a:avLst/>
@@ -4475,6 +4439,34 @@
           </a:ln>
         </p:spPr>
       </p:pic>
+      <p:sp>
+        <p:nvSpPr>
+          <p:cNvPr id="190" name="Shape 190"/>
+          <p:cNvSpPr/>
+          <p:nvPr>
+            <p:ph type="ctrTitle"/>
+          </p:nvPr>
+        </p:nvSpPr>
+        <p:spPr>
+          <a:xfrm>
+            <a:off x="952500" y="444500"/>
+            <a:ext cx="11099800" cy="2159000"/>
+          </a:xfrm>
+          <a:prstGeom prst="rect">
+            <a:avLst/>
+          </a:prstGeom>
+        </p:spPr>
+        <p:txBody>
+          <a:bodyPr anchor="ctr"/>
+          <a:lstStyle/>
+          <a:p>
+            <a:pPr/>
+            <a:r>
+              <a:t>Complex</a:t>
+            </a:r>
+          </a:p>
+        </p:txBody>
+      </p:sp>
     </p:spTree>
   </p:cSld>
   <p:clrMapOvr>
@@ -4503,7 +4495,7 @@
       </p:grpSpPr>
       <p:sp>
         <p:nvSpPr>
-          <p:cNvPr id="193" name="Shape 193"/>
+          <p:cNvPr id="192" name="Shape 192"/>
           <p:cNvSpPr/>
           <p:nvPr>
             <p:ph type="title"/>
@@ -4518,16 +4510,26 @@
           <a:bodyPr/>
           <a:lstStyle/>
           <a:p>
-            <a:pPr/>
-            <a:r>
-              <a:t>Coding time !</a:t>
-            </a:r>
-          </a:p>
-        </p:txBody>
-      </p:sp>
-      <p:sp>
-        <p:nvSpPr>
-          <p:cNvPr id="194" name="Shape 194"/>
+            <a:pPr defTabSz="490727">
+              <a:defRPr sz="6719"/>
+            </a:pPr>
+            <a:r>
+              <a:t>NoteListActivity</a:t>
+            </a:r>
+          </a:p>
+          <a:p>
+            <a:pPr defTabSz="490727">
+              <a:defRPr sz="6719"/>
+            </a:pPr>
+            <a:r>
+              <a:t>layout design</a:t>
+            </a:r>
+          </a:p>
+        </p:txBody>
+      </p:sp>
+      <p:sp>
+        <p:nvSpPr>
+          <p:cNvPr id="193" name="Shape 193"/>
           <p:cNvSpPr/>
           <p:nvPr>
             <p:ph type="body" idx="1"/>
@@ -4542,13 +4544,102 @@
           <a:bodyPr/>
           <a:lstStyle/>
           <a:p>
-            <a:pPr/>
-            <a:r>
-              <a:t>Start with NoteListActivity</a:t>
-            </a:r>
-          </a:p>
-        </p:txBody>
-      </p:sp>
+            <a:pPr marL="422275" indent="-422275" defTabSz="554990">
+              <a:spcBef>
+                <a:spcPts val="3900"/>
+              </a:spcBef>
+              <a:defRPr sz="3420"/>
+            </a:pPr>
+            <a:r>
+              <a:t>ListView</a:t>
+            </a:r>
+          </a:p>
+          <a:p>
+            <a:pPr marL="422275" indent="-422275" defTabSz="554990">
+              <a:spcBef>
+                <a:spcPts val="3900"/>
+              </a:spcBef>
+              <a:defRPr sz="3420"/>
+            </a:pPr>
+            <a:r>
+              <a:t>EditText field </a:t>
+            </a:r>
+          </a:p>
+          <a:p>
+            <a:pPr marL="422275" indent="-422275" defTabSz="554990">
+              <a:spcBef>
+                <a:spcPts val="3900"/>
+              </a:spcBef>
+              <a:defRPr sz="3420"/>
+            </a:pPr>
+            <a:r>
+              <a:t>Add TODO item button </a:t>
+            </a:r>
+          </a:p>
+          <a:p>
+            <a:pPr lvl="1" marL="844550" indent="-422275" defTabSz="554990">
+              <a:spcBef>
+                <a:spcPts val="3900"/>
+              </a:spcBef>
+              <a:defRPr sz="3420"/>
+            </a:pPr>
+            <a:r>
+              <a:t>add the text from the text field to the array</a:t>
+            </a:r>
+          </a:p>
+          <a:p>
+            <a:pPr lvl="1" marL="844550" indent="-422275" defTabSz="554990">
+              <a:spcBef>
+                <a:spcPts val="3900"/>
+              </a:spcBef>
+              <a:defRPr sz="3420"/>
+            </a:pPr>
+            <a:r>
+              <a:t>notify the adapter list changed</a:t>
+            </a:r>
+          </a:p>
+          <a:p>
+            <a:pPr marL="422275" indent="-422275" defTabSz="554990">
+              <a:spcBef>
+                <a:spcPts val="3900"/>
+              </a:spcBef>
+              <a:defRPr sz="3420"/>
+            </a:pPr>
+            <a:r>
+              <a:t>Later: onClick() of item starts EditActivity - now show a toast </a:t>
+            </a:r>
+          </a:p>
+        </p:txBody>
+      </p:sp>
+      <p:pic>
+        <p:nvPicPr>
+          <p:cNvPr id="194" name="pasted-image.png"/>
+          <p:cNvPicPr>
+            <a:picLocks noChangeAspect="1"/>
+          </p:cNvPicPr>
+          <p:nvPr/>
+        </p:nvPicPr>
+        <p:blipFill>
+          <a:blip r:embed="rId2">
+            <a:extLst/>
+          </a:blip>
+          <a:stretch>
+            <a:fillRect/>
+          </a:stretch>
+        </p:blipFill>
+        <p:spPr>
+          <a:xfrm>
+            <a:off x="9588500" y="2571750"/>
+            <a:ext cx="2209800" cy="3340100"/>
+          </a:xfrm>
+          <a:prstGeom prst="rect">
+            <a:avLst/>
+          </a:prstGeom>
+          <a:ln w="12700">
+            <a:miter lim="400000"/>
+          </a:ln>
+        </p:spPr>
+      </p:pic>
     </p:spTree>
   </p:cSld>
   <p:clrMapOvr>
@@ -4590,43 +4681,160 @@
         </p:spPr>
         <p:txBody>
           <a:bodyPr/>
-          <a:lstStyle>
-            <a:lvl1pPr defTabSz="490727">
-              <a:defRPr sz="6719"/>
-            </a:lvl1pPr>
-          </a:lstStyle>
-          <a:p>
-            <a:pPr/>
-            <a:r>
-              <a:t>How do we add the content of the note ?</a:t>
-            </a:r>
-          </a:p>
-        </p:txBody>
-      </p:sp>
-      <p:sp>
-        <p:nvSpPr>
-          <p:cNvPr id="197" name="Shape 197"/>
-          <p:cNvSpPr/>
-          <p:nvPr>
-            <p:ph type="body" idx="1"/>
-          </p:nvPr>
-        </p:nvSpPr>
-        <p:spPr>
-          <a:prstGeom prst="rect">
-            <a:avLst/>
-          </a:prstGeom>
-        </p:spPr>
-        <p:txBody>
-          <a:bodyPr/>
           <a:lstStyle/>
           <a:p>
             <a:pPr/>
             <a:r>
-              <a:t>We need another activity !</a:t>
-            </a:r>
-          </a:p>
-        </p:txBody>
-      </p:sp>
+              <a:t>ListView - code parts</a:t>
+            </a:r>
+          </a:p>
+        </p:txBody>
+      </p:sp>
+      <p:pic>
+        <p:nvPicPr>
+          <p:cNvPr id="197" name="pasted-image.png"/>
+          <p:cNvPicPr>
+            <a:picLocks noChangeAspect="1"/>
+          </p:cNvPicPr>
+          <p:nvPr/>
+        </p:nvPicPr>
+        <p:blipFill>
+          <a:blip r:embed="rId2">
+            <a:extLst/>
+          </a:blip>
+          <a:stretch>
+            <a:fillRect/>
+          </a:stretch>
+        </p:blipFill>
+        <p:spPr>
+          <a:xfrm>
+            <a:off x="1352550" y="6245225"/>
+            <a:ext cx="8039100" cy="584200"/>
+          </a:xfrm>
+          <a:prstGeom prst="rect">
+            <a:avLst/>
+          </a:prstGeom>
+          <a:ln w="12700">
+            <a:miter lim="400000"/>
+          </a:ln>
+        </p:spPr>
+      </p:pic>
+      <p:pic>
+        <p:nvPicPr>
+          <p:cNvPr id="198" name="pasted-image.png"/>
+          <p:cNvPicPr>
+            <a:picLocks noChangeAspect="1"/>
+          </p:cNvPicPr>
+          <p:nvPr/>
+        </p:nvPicPr>
+        <p:blipFill>
+          <a:blip r:embed="rId3">
+            <a:extLst/>
+          </a:blip>
+          <a:stretch>
+            <a:fillRect/>
+          </a:stretch>
+        </p:blipFill>
+        <p:spPr>
+          <a:xfrm>
+            <a:off x="1371600" y="3895725"/>
+            <a:ext cx="4699000" cy="469900"/>
+          </a:xfrm>
+          <a:prstGeom prst="rect">
+            <a:avLst/>
+          </a:prstGeom>
+          <a:ln w="12700">
+            <a:miter lim="400000"/>
+          </a:ln>
+        </p:spPr>
+      </p:pic>
+      <p:pic>
+        <p:nvPicPr>
+          <p:cNvPr id="199" name="pasted-image.png"/>
+          <p:cNvPicPr>
+            <a:picLocks noChangeAspect="1"/>
+          </p:cNvPicPr>
+          <p:nvPr/>
+        </p:nvPicPr>
+        <p:blipFill>
+          <a:blip r:embed="rId4">
+            <a:extLst/>
+          </a:blip>
+          <a:stretch>
+            <a:fillRect/>
+          </a:stretch>
+        </p:blipFill>
+        <p:spPr>
+          <a:xfrm>
+            <a:off x="1358900" y="5184775"/>
+            <a:ext cx="6680200" cy="241300"/>
+          </a:xfrm>
+          <a:prstGeom prst="rect">
+            <a:avLst/>
+          </a:prstGeom>
+          <a:ln w="12700">
+            <a:miter lim="400000"/>
+          </a:ln>
+        </p:spPr>
+      </p:pic>
+      <p:pic>
+        <p:nvPicPr>
+          <p:cNvPr id="200" name="pasted-image.png"/>
+          <p:cNvPicPr>
+            <a:picLocks noChangeAspect="1"/>
+          </p:cNvPicPr>
+          <p:nvPr/>
+        </p:nvPicPr>
+        <p:blipFill>
+          <a:blip r:embed="rId5">
+            <a:extLst/>
+          </a:blip>
+          <a:stretch>
+            <a:fillRect/>
+          </a:stretch>
+        </p:blipFill>
+        <p:spPr>
+          <a:xfrm>
+            <a:off x="1314450" y="7648575"/>
+            <a:ext cx="3035300" cy="215900"/>
+          </a:xfrm>
+          <a:prstGeom prst="rect">
+            <a:avLst/>
+          </a:prstGeom>
+          <a:ln w="12700">
+            <a:miter lim="400000"/>
+          </a:ln>
+        </p:spPr>
+      </p:pic>
+      <p:pic>
+        <p:nvPicPr>
+          <p:cNvPr id="201" name="pasted-image.png"/>
+          <p:cNvPicPr>
+            <a:picLocks noChangeAspect="1"/>
+          </p:cNvPicPr>
+          <p:nvPr/>
+        </p:nvPicPr>
+        <p:blipFill>
+          <a:blip r:embed="rId6">
+            <a:extLst/>
+          </a:blip>
+          <a:stretch>
+            <a:fillRect/>
+          </a:stretch>
+        </p:blipFill>
+        <p:spPr>
+          <a:xfrm>
+            <a:off x="1346200" y="2746375"/>
+            <a:ext cx="5435600" cy="215900"/>
+          </a:xfrm>
+          <a:prstGeom prst="rect">
+            <a:avLst/>
+          </a:prstGeom>
+          <a:ln w="12700">
+            <a:miter lim="400000"/>
+          </a:ln>
+        </p:spPr>
+      </p:pic>
     </p:spTree>
   </p:cSld>
   <p:clrMapOvr>
@@ -4655,10 +4863,38 @@
       </p:grpSpPr>
       <p:sp>
         <p:nvSpPr>
-          <p:cNvPr id="199" name="Shape 199"/>
+          <p:cNvPr id="203" name="Shape 203"/>
           <p:cNvSpPr/>
           <p:nvPr>
             <p:ph type="title"/>
+          </p:nvPr>
+        </p:nvSpPr>
+        <p:spPr>
+          <a:prstGeom prst="rect">
+            <a:avLst/>
+          </a:prstGeom>
+        </p:spPr>
+        <p:txBody>
+          <a:bodyPr/>
+          <a:lstStyle>
+            <a:lvl1pPr defTabSz="490727">
+              <a:defRPr sz="6719"/>
+            </a:lvl1pPr>
+          </a:lstStyle>
+          <a:p>
+            <a:pPr/>
+            <a:r>
+              <a:t>Adapter class as an Android design pattern</a:t>
+            </a:r>
+          </a:p>
+        </p:txBody>
+      </p:sp>
+      <p:sp>
+        <p:nvSpPr>
+          <p:cNvPr id="204" name="Shape 204"/>
+          <p:cNvSpPr/>
+          <p:nvPr>
+            <p:ph type="body" idx="1"/>
           </p:nvPr>
         </p:nvSpPr>
         <p:spPr>
@@ -4672,68 +4908,14 @@
           <a:p>
             <a:pPr/>
             <a:r>
-              <a:t>EditNoteActivity</a:t>
-            </a:r>
-          </a:p>
-        </p:txBody>
-      </p:sp>
-      <p:sp>
-        <p:nvSpPr>
-          <p:cNvPr id="200" name="Shape 200"/>
-          <p:cNvSpPr/>
-          <p:nvPr>
-            <p:ph type="body" idx="1"/>
-          </p:nvPr>
-        </p:nvSpPr>
-        <p:spPr>
-          <a:prstGeom prst="rect">
-            <a:avLst/>
-          </a:prstGeom>
-        </p:spPr>
-        <p:txBody>
-          <a:bodyPr/>
-          <a:lstStyle/>
-          <a:p>
-            <a:pPr/>
-            <a:r>
-              <a:rPr b="1">
-                <a:latin typeface="Helvetica"/>
-                <a:ea typeface="Helvetica"/>
-                <a:cs typeface="Helvetica"/>
-                <a:sym typeface="Helvetica"/>
-              </a:rPr>
-              <a:t>Title</a:t>
-            </a:r>
-            <a:r>
-              <a:t> of note </a:t>
-            </a:r>
-          </a:p>
-          <a:p>
-            <a:pPr/>
-            <a:r>
-              <a:rPr b="1">
-                <a:latin typeface="Helvetica"/>
-                <a:ea typeface="Helvetica"/>
-                <a:cs typeface="Helvetica"/>
-                <a:sym typeface="Helvetica"/>
-              </a:rPr>
-              <a:t>Body</a:t>
-            </a:r>
-            <a:r>
-              <a:t> content </a:t>
-            </a:r>
-          </a:p>
-          <a:p>
-            <a:pPr/>
-            <a:r>
-              <a:t>Edit button </a:t>
+              <a:t>The Adapter pattern allows two incompatible classes to work together by converting the interface of one class into an interface expected by the clients. </a:t>
             </a:r>
           </a:p>
         </p:txBody>
       </p:sp>
       <p:pic>
         <p:nvPicPr>
-          <p:cNvPr id="201" name="pasted-image.png"/>
+          <p:cNvPr id="205" name="pasted-image.png"/>
           <p:cNvPicPr>
             <a:picLocks noChangeAspect="1"/>
           </p:cNvPicPr>
@@ -4749,8 +4931,8 @@
         </p:blipFill>
         <p:spPr>
           <a:xfrm>
-            <a:off x="8741411" y="3698270"/>
-            <a:ext cx="2302707" cy="4096960"/>
+            <a:off x="4597400" y="6661150"/>
+            <a:ext cx="3810000" cy="2133600"/>
           </a:xfrm>
           <a:prstGeom prst="rect">
             <a:avLst/>
@@ -4788,7 +4970,7 @@
       </p:grpSpPr>
       <p:sp>
         <p:nvSpPr>
-          <p:cNvPr id="203" name="Shape 203"/>
+          <p:cNvPr id="207" name="Shape 207"/>
           <p:cNvSpPr/>
           <p:nvPr>
             <p:ph type="title"/>
@@ -4805,14 +4987,14 @@
           <a:p>
             <a:pPr/>
             <a:r>
-              <a:t>Starting another activity </a:t>
-            </a:r>
-          </a:p>
-        </p:txBody>
-      </p:sp>
-      <p:sp>
-        <p:nvSpPr>
-          <p:cNvPr id="204" name="Shape 204"/>
+              <a:t>Coding time !</a:t>
+            </a:r>
+          </a:p>
+        </p:txBody>
+      </p:sp>
+      <p:sp>
+        <p:nvSpPr>
+          <p:cNvPr id="208" name="Shape 208"/>
           <p:cNvSpPr/>
           <p:nvPr>
             <p:ph type="body" idx="1"/>
@@ -4829,7 +5011,7 @@
           <a:p>
             <a:pPr/>
             <a:r>
-              <a:t>How do we move from screen to screen ? </a:t>
+              <a:t>Start with NoteListActivity</a:t>
             </a:r>
           </a:p>
         </p:txBody>
@@ -4862,7 +5044,7 @@
       </p:grpSpPr>
       <p:sp>
         <p:nvSpPr>
-          <p:cNvPr id="206" name="Shape 206"/>
+          <p:cNvPr id="210" name="Shape 210"/>
           <p:cNvSpPr/>
           <p:nvPr>
             <p:ph type="title"/>
@@ -4883,14 +5065,14 @@
           <a:p>
             <a:pPr/>
             <a:r>
-              <a:t>Intent - special Android component</a:t>
-            </a:r>
-          </a:p>
-        </p:txBody>
-      </p:sp>
-      <p:sp>
-        <p:nvSpPr>
-          <p:cNvPr id="207" name="Shape 207"/>
+              <a:t>How do we add the content of the note ?</a:t>
+            </a:r>
+          </a:p>
+        </p:txBody>
+      </p:sp>
+      <p:sp>
+        <p:nvSpPr>
+          <p:cNvPr id="211" name="Shape 211"/>
           <p:cNvSpPr/>
           <p:nvPr>
             <p:ph type="body" idx="1"/>
@@ -4907,67 +5089,7 @@
           <a:p>
             <a:pPr/>
             <a:r>
-              <a:t>The most common use of intents is to </a:t>
-            </a:r>
-            <a:r>
-              <a:rPr b="1">
-                <a:latin typeface="Helvetica"/>
-                <a:ea typeface="Helvetica"/>
-                <a:cs typeface="Helvetica"/>
-                <a:sym typeface="Helvetica"/>
-              </a:rPr>
-              <a:t>bind</a:t>
-            </a:r>
-            <a:r>
-              <a:t> your application </a:t>
-            </a:r>
-            <a:r>
-              <a:rPr b="1">
-                <a:latin typeface="Helvetica"/>
-                <a:ea typeface="Helvetica"/>
-                <a:cs typeface="Helvetica"/>
-                <a:sym typeface="Helvetica"/>
-              </a:rPr>
-              <a:t>components</a:t>
-            </a:r>
-            <a:r>
-              <a:t>. Intents are used to </a:t>
-            </a:r>
-            <a:r>
-              <a:rPr b="1">
-                <a:latin typeface="Helvetica"/>
-                <a:ea typeface="Helvetica"/>
-                <a:cs typeface="Helvetica"/>
-                <a:sym typeface="Helvetica"/>
-              </a:rPr>
-              <a:t>start</a:t>
-            </a:r>
-            <a:r>
-              <a:t>, </a:t>
-            </a:r>
-            <a:r>
-              <a:rPr b="1">
-                <a:latin typeface="Helvetica"/>
-                <a:ea typeface="Helvetica"/>
-                <a:cs typeface="Helvetica"/>
-                <a:sym typeface="Helvetica"/>
-              </a:rPr>
-              <a:t>stop</a:t>
-            </a:r>
-            <a:r>
-              <a:t> and transition the </a:t>
-            </a:r>
-            <a:r>
-              <a:rPr b="1">
-                <a:latin typeface="Helvetica"/>
-                <a:ea typeface="Helvetica"/>
-                <a:cs typeface="Helvetica"/>
-                <a:sym typeface="Helvetica"/>
-              </a:rPr>
-              <a:t>activities</a:t>
-            </a:r>
-            <a:r>
-              <a:t> within an application.</a:t>
+              <a:t>We need another activity !</a:t>
             </a:r>
           </a:p>
         </p:txBody>
@@ -5000,10 +5122,10 @@
       </p:grpSpPr>
       <p:sp>
         <p:nvSpPr>
-          <p:cNvPr id="209" name="Shape 209"/>
-          <p:cNvSpPr/>
-          <p:nvPr>
-            <p:ph type="body" idx="1"/>
+          <p:cNvPr id="213" name="Shape 213"/>
+          <p:cNvSpPr/>
+          <p:nvPr>
+            <p:ph type="title"/>
           </p:nvPr>
         </p:nvSpPr>
         <p:spPr>
@@ -5017,14 +5139,68 @@
           <a:p>
             <a:pPr/>
             <a:r>
-              <a:t>Of course we can add variables to this intent </a:t>
+              <a:t>EditNoteActivity</a:t>
+            </a:r>
+          </a:p>
+        </p:txBody>
+      </p:sp>
+      <p:sp>
+        <p:nvSpPr>
+          <p:cNvPr id="214" name="Shape 214"/>
+          <p:cNvSpPr/>
+          <p:nvPr>
+            <p:ph type="body" idx="1"/>
+          </p:nvPr>
+        </p:nvSpPr>
+        <p:spPr>
+          <a:prstGeom prst="rect">
+            <a:avLst/>
+          </a:prstGeom>
+        </p:spPr>
+        <p:txBody>
+          <a:bodyPr/>
+          <a:lstStyle/>
+          <a:p>
+            <a:pPr/>
+            <a:r>
+              <a:rPr b="1">
+                <a:latin typeface="Helvetica"/>
+                <a:ea typeface="Helvetica"/>
+                <a:cs typeface="Helvetica"/>
+                <a:sym typeface="Helvetica"/>
+              </a:rPr>
+              <a:t>Title</a:t>
+            </a:r>
+            <a:r>
+              <a:t> of note </a:t>
+            </a:r>
+          </a:p>
+          <a:p>
+            <a:pPr/>
+            <a:r>
+              <a:rPr b="1">
+                <a:latin typeface="Helvetica"/>
+                <a:ea typeface="Helvetica"/>
+                <a:cs typeface="Helvetica"/>
+                <a:sym typeface="Helvetica"/>
+              </a:rPr>
+              <a:t>Body</a:t>
+            </a:r>
+            <a:r>
+              <a:t> content </a:t>
+            </a:r>
+          </a:p>
+          <a:p>
+            <a:pPr/>
+            <a:r>
+              <a:t>Edit button </a:t>
             </a:r>
           </a:p>
         </p:txBody>
       </p:sp>
       <p:pic>
         <p:nvPicPr>
-          <p:cNvPr id="210" name="pasted-image.png"/>
+          <p:cNvPr id="215" name="pasted-image.png"/>
           <p:cNvPicPr>
             <a:picLocks noChangeAspect="1"/>
           </p:cNvPicPr>
@@ -5040,37 +5216,8 @@
         </p:blipFill>
         <p:spPr>
           <a:xfrm>
-            <a:off x="3479800" y="939800"/>
-            <a:ext cx="6045200" cy="736600"/>
-          </a:xfrm>
-          <a:prstGeom prst="rect">
-            <a:avLst/>
-          </a:prstGeom>
-          <a:ln w="12700">
-            <a:miter lim="400000"/>
-          </a:ln>
-        </p:spPr>
-      </p:pic>
-      <p:pic>
-        <p:nvPicPr>
-          <p:cNvPr id="211" name="pasted-image.png"/>
-          <p:cNvPicPr>
-            <a:picLocks noChangeAspect="1"/>
-          </p:cNvPicPr>
-          <p:nvPr/>
-        </p:nvPicPr>
-        <p:blipFill>
-          <a:blip r:embed="rId3">
-            <a:extLst/>
-          </a:blip>
-          <a:stretch>
-            <a:fillRect/>
-          </a:stretch>
-        </p:blipFill>
-        <p:spPr>
-          <a:xfrm>
-            <a:off x="1479550" y="2851150"/>
-            <a:ext cx="9867900" cy="889000"/>
+            <a:off x="8741411" y="3698270"/>
+            <a:ext cx="2302707" cy="4096960"/>
           </a:xfrm>
           <a:prstGeom prst="rect">
             <a:avLst/>
@@ -5106,64 +5253,54 @@
           <a:chExt cx="0" cy="0"/>
         </a:xfrm>
       </p:grpSpPr>
-      <p:pic>
-        <p:nvPicPr>
-          <p:cNvPr id="213" name="pasted-image.png"/>
-          <p:cNvPicPr>
-            <a:picLocks noChangeAspect="1"/>
-          </p:cNvPicPr>
-          <p:nvPr/>
-        </p:nvPicPr>
-        <p:blipFill>
-          <a:blip r:embed="rId2">
-            <a:extLst/>
-          </a:blip>
-          <a:stretch>
-            <a:fillRect/>
-          </a:stretch>
-        </p:blipFill>
-        <p:spPr>
-          <a:xfrm>
-            <a:off x="2692400" y="1187450"/>
-            <a:ext cx="7620000" cy="673100"/>
-          </a:xfrm>
-          <a:prstGeom prst="rect">
-            <a:avLst/>
-          </a:prstGeom>
-          <a:ln w="12700">
-            <a:miter lim="400000"/>
-          </a:ln>
-        </p:spPr>
-      </p:pic>
-      <p:pic>
-        <p:nvPicPr>
-          <p:cNvPr id="214" name="pasted-image.png"/>
-          <p:cNvPicPr>
-            <a:picLocks noChangeAspect="1"/>
-          </p:cNvPicPr>
-          <p:nvPr/>
-        </p:nvPicPr>
-        <p:blipFill>
-          <a:blip r:embed="rId3">
-            <a:extLst/>
-          </a:blip>
-          <a:stretch>
-            <a:fillRect/>
-          </a:stretch>
-        </p:blipFill>
-        <p:spPr>
-          <a:xfrm>
-            <a:off x="2260600" y="2762250"/>
-            <a:ext cx="8483600" cy="1714500"/>
-          </a:xfrm>
-          <a:prstGeom prst="rect">
-            <a:avLst/>
-          </a:prstGeom>
-          <a:ln w="12700">
-            <a:miter lim="400000"/>
-          </a:ln>
-        </p:spPr>
-      </p:pic>
+      <p:sp>
+        <p:nvSpPr>
+          <p:cNvPr id="217" name="Shape 217"/>
+          <p:cNvSpPr/>
+          <p:nvPr>
+            <p:ph type="title"/>
+          </p:nvPr>
+        </p:nvSpPr>
+        <p:spPr>
+          <a:prstGeom prst="rect">
+            <a:avLst/>
+          </a:prstGeom>
+        </p:spPr>
+        <p:txBody>
+          <a:bodyPr/>
+          <a:lstStyle/>
+          <a:p>
+            <a:pPr/>
+            <a:r>
+              <a:t>Starting another activity </a:t>
+            </a:r>
+          </a:p>
+        </p:txBody>
+      </p:sp>
+      <p:sp>
+        <p:nvSpPr>
+          <p:cNvPr id="218" name="Shape 218"/>
+          <p:cNvSpPr/>
+          <p:nvPr>
+            <p:ph type="body" idx="1"/>
+          </p:nvPr>
+        </p:nvSpPr>
+        <p:spPr>
+          <a:prstGeom prst="rect">
+            <a:avLst/>
+          </a:prstGeom>
+        </p:spPr>
+        <p:txBody>
+          <a:bodyPr/>
+          <a:lstStyle/>
+          <a:p>
+            <a:pPr/>
+            <a:r>
+              <a:t>How do we move from screen to screen ? </a:t>
+            </a:r>
+          </a:p>
+        </p:txBody>
+      </p:sp>
     </p:spTree>
   </p:cSld>
   <p:clrMapOvr>
@@ -5192,7 +5329,7 @@
       </p:grpSpPr>
       <p:sp>
         <p:nvSpPr>
-          <p:cNvPr id="216" name="Shape 216"/>
+          <p:cNvPr id="220" name="Shape 220"/>
           <p:cNvSpPr/>
           <p:nvPr>
             <p:ph type="title"/>
@@ -5213,14 +5350,14 @@
           <a:p>
             <a:pPr/>
             <a:r>
-              <a:t>Returning results from activity</a:t>
-            </a:r>
-          </a:p>
-        </p:txBody>
-      </p:sp>
-      <p:sp>
-        <p:nvSpPr>
-          <p:cNvPr id="217" name="Shape 217"/>
+              <a:t>Intent - special Android component</a:t>
+            </a:r>
+          </a:p>
+        </p:txBody>
+      </p:sp>
+      <p:sp>
+        <p:nvSpPr>
+          <p:cNvPr id="221" name="Shape 221"/>
           <p:cNvSpPr/>
           <p:nvPr>
             <p:ph type="body" idx="1"/>
@@ -5236,132 +5373,68 @@
           <a:lstStyle/>
           <a:p>
             <a:pPr/>
-          </a:p>
-        </p:txBody>
-      </p:sp>
-      <p:pic>
-        <p:nvPicPr>
-          <p:cNvPr id="218" name="pasted-image.png"/>
-          <p:cNvPicPr>
-            <a:picLocks noChangeAspect="1"/>
-          </p:cNvPicPr>
-          <p:nvPr/>
-        </p:nvPicPr>
-        <p:blipFill>
-          <a:blip r:embed="rId2">
-            <a:extLst/>
-          </a:blip>
-          <a:stretch>
-            <a:fillRect/>
-          </a:stretch>
-        </p:blipFill>
-        <p:spPr>
-          <a:xfrm>
-            <a:off x="1066800" y="2895600"/>
-            <a:ext cx="7289800" cy="939800"/>
-          </a:xfrm>
-          <a:prstGeom prst="rect">
-            <a:avLst/>
-          </a:prstGeom>
-          <a:ln w="12700">
-            <a:miter lim="400000"/>
-          </a:ln>
-        </p:spPr>
-      </p:pic>
-      <p:pic>
-        <p:nvPicPr>
-          <p:cNvPr id="219" name="pasted-image.png"/>
-          <p:cNvPicPr>
-            <a:picLocks noChangeAspect="1"/>
-          </p:cNvPicPr>
-          <p:nvPr/>
-        </p:nvPicPr>
-        <p:blipFill>
-          <a:blip r:embed="rId3">
-            <a:extLst/>
-          </a:blip>
-          <a:stretch>
-            <a:fillRect/>
-          </a:stretch>
-        </p:blipFill>
-        <p:spPr>
-          <a:xfrm>
-            <a:off x="1047750" y="3854450"/>
-            <a:ext cx="4279900" cy="1079500"/>
-          </a:xfrm>
-          <a:prstGeom prst="rect">
-            <a:avLst/>
-          </a:prstGeom>
-          <a:ln w="12700">
-            <a:miter lim="400000"/>
-          </a:ln>
-        </p:spPr>
-      </p:pic>
-      <p:pic>
-        <p:nvPicPr>
-          <p:cNvPr id="220" name="pasted-image.png"/>
-          <p:cNvPicPr>
-            <a:picLocks noChangeAspect="1"/>
-          </p:cNvPicPr>
-          <p:nvPr/>
-        </p:nvPicPr>
-        <p:blipFill>
-          <a:blip r:embed="rId4">
-            <a:extLst/>
-          </a:blip>
-          <a:stretch>
-            <a:fillRect/>
-          </a:stretch>
-        </p:blipFill>
-        <p:spPr>
-          <a:xfrm>
-            <a:off x="996950" y="5518150"/>
-            <a:ext cx="9436100" cy="3975100"/>
-          </a:xfrm>
-          <a:prstGeom prst="rect">
-            <a:avLst/>
-          </a:prstGeom>
-          <a:ln w="12700">
-            <a:miter lim="400000"/>
-          </a:ln>
-        </p:spPr>
-      </p:pic>
-      <p:sp>
-        <p:nvSpPr>
-          <p:cNvPr id="221" name="Shape 221"/>
-          <p:cNvSpPr/>
-          <p:nvPr/>
-        </p:nvSpPr>
-        <p:spPr>
-          <a:xfrm>
-            <a:off x="961643" y="4953000"/>
-            <a:ext cx="5468113" cy="647701"/>
-          </a:xfrm>
-          <a:prstGeom prst="rect">
-            <a:avLst/>
-          </a:prstGeom>
-          <a:ln w="12700">
-            <a:miter lim="400000"/>
-          </a:ln>
-          <a:extLst>
-            <a:ext uri="{C572A759-6A51-4108-AA02-DFA0A04FC94B}">
-              <ma14:wrappingTextBoxFlag xmlns:ma14="http://schemas.microsoft.com/office/mac/drawingml/2011/main" val="1"/>
-            </a:ext>
-          </a:extLst>
-        </p:spPr>
-        <p:txBody>
-          <a:bodyPr wrap="none" lIns="50800" tIns="50800" rIns="50800" bIns="50800" anchor="ctr">
-            <a:spAutoFit/>
-          </a:bodyPr>
-          <a:lstStyle>
-            <a:lvl1pPr>
-              <a:defRPr u="sng"/>
-            </a:lvl1pPr>
-          </a:lstStyle>
-          <a:p>
-            <a:pPr/>
-            <a:r>
-              <a:t>receive on the activity end</a:t>
+            <a:r>
+              <a:t>The most common use of intents is to </a:t>
+            </a:r>
+            <a:r>
+              <a:rPr b="1">
+                <a:latin typeface="Helvetica"/>
+                <a:ea typeface="Helvetica"/>
+                <a:cs typeface="Helvetica"/>
+                <a:sym typeface="Helvetica"/>
+              </a:rPr>
+              <a:t>bind</a:t>
+            </a:r>
+            <a:r>
+              <a:t> your application </a:t>
+            </a:r>
+            <a:r>
+              <a:rPr b="1">
+                <a:latin typeface="Helvetica"/>
+                <a:ea typeface="Helvetica"/>
+                <a:cs typeface="Helvetica"/>
+                <a:sym typeface="Helvetica"/>
+              </a:rPr>
+              <a:t>components</a:t>
+            </a:r>
+            <a:r>
+              <a:t>. Intents are used to </a:t>
+            </a:r>
+            <a:r>
+              <a:rPr b="1">
+                <a:latin typeface="Helvetica"/>
+                <a:ea typeface="Helvetica"/>
+                <a:cs typeface="Helvetica"/>
+                <a:sym typeface="Helvetica"/>
+              </a:rPr>
+              <a:t>start</a:t>
+            </a:r>
+            <a:r>
+              <a:t>, </a:t>
+            </a:r>
+            <a:r>
+              <a:rPr b="1">
+                <a:latin typeface="Helvetica"/>
+                <a:ea typeface="Helvetica"/>
+                <a:cs typeface="Helvetica"/>
+                <a:sym typeface="Helvetica"/>
+              </a:rPr>
+              <a:t>stop</a:t>
+            </a:r>
+            <a:r>
+              <a:t> and transition the </a:t>
+            </a:r>
+            <a:r>
+              <a:rPr b="1">
+                <a:latin typeface="Helvetica"/>
+                <a:ea typeface="Helvetica"/>
+                <a:cs typeface="Helvetica"/>
+                <a:sym typeface="Helvetica"/>
+              </a:rPr>
+              <a:t>activities</a:t>
+            </a:r>
+            <a:r>
+              <a:t> within an application.</a:t>
             </a:r>
           </a:p>
         </p:txBody>
@@ -5411,7 +5484,7 @@
           <a:p>
             <a:pPr/>
             <a:r>
-              <a:t>Home work</a:t>
+              <a:t>Last episode</a:t>
             </a:r>
           </a:p>
         </p:txBody>
@@ -5433,90 +5506,43 @@
           <a:bodyPr/>
           <a:lstStyle/>
           <a:p>
-            <a:pPr marL="342264" indent="-342264" defTabSz="449833">
-              <a:spcBef>
-                <a:spcPts val="3200"/>
-              </a:spcBef>
-              <a:defRPr sz="2772"/>
-            </a:pPr>
-            <a:r>
-              <a:t>A client asked for a grid like app, each TextView should hold a separate counter </a:t>
-            </a:r>
-          </a:p>
-          <a:p>
-            <a:pPr marL="342264" indent="-342264" defTabSz="449833">
-              <a:spcBef>
-                <a:spcPts val="3200"/>
-              </a:spcBef>
-              <a:defRPr sz="2772"/>
-            </a:pPr>
-            <a:r>
-              <a:t>Bonus - use three horizontal LinearLayout for each row, and a vertical LinearLayout for their parent</a:t>
-            </a:r>
-          </a:p>
-          <a:p>
-            <a:pPr marL="342264" indent="-342264" defTabSz="449833">
-              <a:spcBef>
-                <a:spcPts val="3200"/>
-              </a:spcBef>
-              <a:defRPr sz="2772"/>
-            </a:pPr>
-          </a:p>
-          <a:p>
-            <a:pPr marL="342264" indent="-342264" defTabSz="449833">
-              <a:spcBef>
-                <a:spcPts val="3200"/>
-              </a:spcBef>
-              <a:defRPr sz="2772"/>
-            </a:pPr>
-          </a:p>
-          <a:p>
-            <a:pPr marL="342264" indent="-342264" defTabSz="449833">
-              <a:spcBef>
-                <a:spcPts val="3200"/>
-              </a:spcBef>
-              <a:defRPr sz="2772"/>
-            </a:pPr>
-          </a:p>
-          <a:p>
-            <a:pPr marL="342264" indent="-342264" defTabSz="449833">
-              <a:spcBef>
-                <a:spcPts val="3200"/>
-              </a:spcBef>
-              <a:defRPr sz="2772"/>
-            </a:pPr>
-          </a:p>
-        </p:txBody>
-      </p:sp>
-      <p:pic>
-        <p:nvPicPr>
-          <p:cNvPr id="129" name="pasted-image.png"/>
-          <p:cNvPicPr>
-            <a:picLocks noChangeAspect="1"/>
-          </p:cNvPicPr>
-          <p:nvPr/>
-        </p:nvPicPr>
-        <p:blipFill>
-          <a:blip r:embed="rId2">
-            <a:extLst/>
-          </a:blip>
-          <a:stretch>
-            <a:fillRect/>
-          </a:stretch>
-        </p:blipFill>
-        <p:spPr>
-          <a:xfrm>
-            <a:off x="4019550" y="4876800"/>
-            <a:ext cx="3594100" cy="2667000"/>
-          </a:xfrm>
-          <a:prstGeom prst="rect">
-            <a:avLst/>
-          </a:prstGeom>
-          <a:ln w="12700">
-            <a:miter lim="400000"/>
-          </a:ln>
-        </p:spPr>
-      </p:pic>
+            <a:pPr/>
+            <a:r>
+              <a:t>Activity lifecycle </a:t>
+            </a:r>
+          </a:p>
+          <a:p>
+            <a:pPr/>
+            <a:r>
+              <a:t>Logcat</a:t>
+            </a:r>
+          </a:p>
+          <a:p>
+            <a:pPr/>
+            <a:r>
+              <a:t>Layouts</a:t>
+            </a:r>
+          </a:p>
+          <a:p>
+            <a:pPr lvl="1"/>
+            <a:r>
+              <a:t>MATCH_PARENT vs WRAP_CONTENT</a:t>
+            </a:r>
+          </a:p>
+          <a:p>
+            <a:pPr/>
+            <a:r>
+              <a:t>Views</a:t>
+            </a:r>
+          </a:p>
+          <a:p>
+            <a:pPr lvl="1"/>
+            <a:r>
+              <a:t>OnClickListener</a:t>
+            </a:r>
+          </a:p>
+        </p:txBody>
+      </p:sp>
     </p:spTree>
   </p:cSld>
   <p:clrMapOvr>
@@ -5548,7 +5574,7 @@
           <p:cNvPr id="223" name="Shape 223"/>
           <p:cNvSpPr/>
           <p:nvPr>
-            <p:ph type="title"/>
+            <p:ph type="body" idx="1"/>
           </p:nvPr>
         </p:nvSpPr>
         <p:spPr>
@@ -5562,128 +5588,69 @@
           <a:p>
             <a:pPr/>
             <a:r>
-              <a:t>Practice</a:t>
-            </a:r>
-          </a:p>
-        </p:txBody>
-      </p:sp>
-      <p:sp>
-        <p:nvSpPr>
-          <p:cNvPr id="224" name="Shape 224"/>
-          <p:cNvSpPr/>
-          <p:nvPr>
-            <p:ph type="body" idx="1"/>
-          </p:nvPr>
-        </p:nvSpPr>
-        <p:spPr>
-          <a:prstGeom prst="rect">
-            <a:avLst/>
-          </a:prstGeom>
-        </p:spPr>
-        <p:txBody>
-          <a:bodyPr/>
-          <a:lstStyle/>
-          <a:p>
-            <a:pPr marL="284479" indent="-284479" defTabSz="373887">
-              <a:spcBef>
-                <a:spcPts val="2600"/>
-              </a:spcBef>
-              <a:defRPr sz="2304"/>
-            </a:pPr>
-            <a:r>
-              <a:t>Start EditNoteActivity with the intent as in the example </a:t>
-            </a:r>
-          </a:p>
-          <a:p>
-            <a:pPr lvl="1" marL="568959" indent="-284479" defTabSz="373887">
-              <a:spcBef>
-                <a:spcPts val="2600"/>
-              </a:spcBef>
-              <a:defRPr sz="2304"/>
-            </a:pPr>
-            <a:r>
-              <a:t>Explicit intent</a:t>
-            </a:r>
-          </a:p>
-          <a:p>
-            <a:pPr lvl="1" marL="568959" indent="-284479" defTabSz="373887">
-              <a:spcBef>
-                <a:spcPts val="2600"/>
-              </a:spcBef>
-              <a:defRPr sz="2304"/>
-            </a:pPr>
-            <a:r>
-              <a:t>startActivityForResult(intent)</a:t>
-            </a:r>
-          </a:p>
-          <a:p>
-            <a:pPr lvl="1" marL="568959" indent="-284479" defTabSz="373887">
-              <a:spcBef>
-                <a:spcPts val="2600"/>
-              </a:spcBef>
-              <a:defRPr sz="2304"/>
-            </a:pPr>
-            <a:r>
-              <a:t>add to it a test string “test” (putExtra)</a:t>
-            </a:r>
-          </a:p>
-          <a:p>
-            <a:pPr marL="284479" indent="-284479" defTabSz="373887">
-              <a:spcBef>
-                <a:spcPts val="2600"/>
-              </a:spcBef>
-              <a:defRPr sz="2304"/>
-            </a:pPr>
-            <a:r>
-              <a:t>Add an edit box and a go back button and return the result back the NoteActivity</a:t>
-            </a:r>
-          </a:p>
-          <a:p>
-            <a:pPr lvl="1" marL="568959" indent="-284479" defTabSz="373887">
-              <a:spcBef>
-                <a:spcPts val="2600"/>
-              </a:spcBef>
-              <a:defRPr sz="2304"/>
-            </a:pPr>
-            <a:r>
-              <a:t>set OnClickListener for the go back button </a:t>
-            </a:r>
-          </a:p>
-          <a:p>
-            <a:pPr lvl="1" marL="568959" indent="-284479" defTabSz="373887">
-              <a:spcBef>
-                <a:spcPts val="2600"/>
-              </a:spcBef>
-              <a:defRPr sz="2304"/>
-            </a:pPr>
-            <a:r>
-              <a:t>init a new Intent </a:t>
-            </a:r>
-          </a:p>
-          <a:p>
-            <a:pPr lvl="1" marL="568959" indent="-284479" defTabSz="373887">
-              <a:spcBef>
-                <a:spcPts val="2600"/>
-              </a:spcBef>
-              <a:defRPr sz="2304"/>
-            </a:pPr>
-            <a:r>
-              <a:t>setResult(intent)</a:t>
-            </a:r>
-          </a:p>
-          <a:p>
-            <a:pPr lvl="1" marL="568959" indent="-284479" defTabSz="373887">
-              <a:spcBef>
-                <a:spcPts val="2600"/>
-              </a:spcBef>
-              <a:defRPr sz="2304"/>
-            </a:pPr>
-            <a:r>
-              <a:t>finish</a:t>
-            </a:r>
-          </a:p>
-        </p:txBody>
-      </p:sp>
+              <a:t>Of course we can add variables to this intent </a:t>
+            </a:r>
+          </a:p>
+        </p:txBody>
+      </p:sp>
+      <p:pic>
+        <p:nvPicPr>
+          <p:cNvPr id="224" name="pasted-image.png"/>
+          <p:cNvPicPr>
+            <a:picLocks noChangeAspect="1"/>
+          </p:cNvPicPr>
+          <p:nvPr/>
+        </p:nvPicPr>
+        <p:blipFill>
+          <a:blip r:embed="rId2">
+            <a:extLst/>
+          </a:blip>
+          <a:stretch>
+            <a:fillRect/>
+          </a:stretch>
+        </p:blipFill>
+        <p:spPr>
+          <a:xfrm>
+            <a:off x="3479800" y="939800"/>
+            <a:ext cx="6045200" cy="736600"/>
+          </a:xfrm>
+          <a:prstGeom prst="rect">
+            <a:avLst/>
+          </a:prstGeom>
+          <a:ln w="12700">
+            <a:miter lim="400000"/>
+          </a:ln>
+        </p:spPr>
+      </p:pic>
+      <p:pic>
+        <p:nvPicPr>
+          <p:cNvPr id="225" name="pasted-image.png"/>
+          <p:cNvPicPr>
+            <a:picLocks noChangeAspect="1"/>
+          </p:cNvPicPr>
+          <p:nvPr/>
+        </p:nvPicPr>
+        <p:blipFill>
+          <a:blip r:embed="rId3">
+            <a:extLst/>
+          </a:blip>
+          <a:stretch>
+            <a:fillRect/>
+          </a:stretch>
+        </p:blipFill>
+        <p:spPr>
+          <a:xfrm>
+            <a:off x="1479550" y="2851150"/>
+            <a:ext cx="9867900" cy="889000"/>
+          </a:xfrm>
+          <a:prstGeom prst="rect">
+            <a:avLst/>
+          </a:prstGeom>
+          <a:ln w="12700">
+            <a:miter lim="400000"/>
+          </a:ln>
+        </p:spPr>
+      </p:pic>
     </p:spTree>
   </p:cSld>
   <p:clrMapOvr>
@@ -5710,66 +5677,64 @@
           <a:chExt cx="0" cy="0"/>
         </a:xfrm>
       </p:grpSpPr>
-      <p:sp>
-        <p:nvSpPr>
-          <p:cNvPr id="226" name="Shape 226"/>
-          <p:cNvSpPr/>
-          <p:nvPr>
-            <p:ph type="title"/>
-          </p:nvPr>
-        </p:nvSpPr>
-        <p:spPr>
-          <a:prstGeom prst="rect">
-            <a:avLst/>
-          </a:prstGeom>
-        </p:spPr>
-        <p:txBody>
-          <a:bodyPr/>
-          <a:lstStyle/>
-          <a:p>
-            <a:pPr/>
-            <a:r>
-              <a:t>What’s left for the note?</a:t>
-            </a:r>
-          </a:p>
-        </p:txBody>
-      </p:sp>
-      <p:sp>
-        <p:nvSpPr>
-          <p:cNvPr id="227" name="Shape 227"/>
-          <p:cNvSpPr/>
-          <p:nvPr>
-            <p:ph type="body" idx="1"/>
-          </p:nvPr>
-        </p:nvSpPr>
-        <p:spPr>
-          <a:prstGeom prst="rect">
-            <a:avLst/>
-          </a:prstGeom>
-        </p:spPr>
-        <p:txBody>
-          <a:bodyPr/>
-          <a:lstStyle/>
-          <a:p>
-            <a:pPr/>
-            <a:r>
-              <a:t>Long click on a note to delete </a:t>
-            </a:r>
-          </a:p>
-          <a:p>
-            <a:pPr lvl="1"/>
-            <a:r>
-              <a:t>Dialog Interface </a:t>
-            </a:r>
-          </a:p>
-          <a:p>
-            <a:pPr/>
-            <a:r>
-              <a:t>Saving the data </a:t>
-            </a:r>
-          </a:p>
-        </p:txBody>
-      </p:sp>
+      <p:pic>
+        <p:nvPicPr>
+          <p:cNvPr id="227" name="pasted-image.png"/>
+          <p:cNvPicPr>
+            <a:picLocks noChangeAspect="1"/>
+          </p:cNvPicPr>
+          <p:nvPr/>
+        </p:nvPicPr>
+        <p:blipFill>
+          <a:blip r:embed="rId2">
+            <a:extLst/>
+          </a:blip>
+          <a:stretch>
+            <a:fillRect/>
+          </a:stretch>
+        </p:blipFill>
+        <p:spPr>
+          <a:xfrm>
+            <a:off x="2692400" y="1187450"/>
+            <a:ext cx="7620000" cy="673100"/>
+          </a:xfrm>
+          <a:prstGeom prst="rect">
+            <a:avLst/>
+          </a:prstGeom>
+          <a:ln w="12700">
+            <a:miter lim="400000"/>
+          </a:ln>
+        </p:spPr>
+      </p:pic>
+      <p:pic>
+        <p:nvPicPr>
+          <p:cNvPr id="228" name="pasted-image.png"/>
+          <p:cNvPicPr>
+            <a:picLocks noChangeAspect="1"/>
+          </p:cNvPicPr>
+          <p:nvPr/>
+        </p:nvPicPr>
+        <p:blipFill>
+          <a:blip r:embed="rId3">
+            <a:extLst/>
+          </a:blip>
+          <a:stretch>
+            <a:fillRect/>
+          </a:stretch>
+        </p:blipFill>
+        <p:spPr>
+          <a:xfrm>
+            <a:off x="2260600" y="2762250"/>
+            <a:ext cx="8483600" cy="1714500"/>
+          </a:xfrm>
+          <a:prstGeom prst="rect">
+            <a:avLst/>
+          </a:prstGeom>
+          <a:ln w="12700">
+            <a:miter lim="400000"/>
+          </a:ln>
+        </p:spPr>
+      </p:pic>
     </p:spTree>
   </p:cSld>
   <p:clrMapOvr>
@@ -5798,7 +5763,7 @@
       </p:grpSpPr>
       <p:sp>
         <p:nvSpPr>
-          <p:cNvPr id="229" name="Shape 229"/>
+          <p:cNvPr id="230" name="Shape 230"/>
           <p:cNvSpPr/>
           <p:nvPr>
             <p:ph type="title"/>
@@ -5815,40 +5780,35 @@
           <a:p>
             <a:pPr/>
             <a:r>
-              <a:t>Alert dialog </a:t>
-            </a:r>
-          </a:p>
-        </p:txBody>
-      </p:sp>
-      <p:pic>
-        <p:nvPicPr>
-          <p:cNvPr id="230" name="pasted-image.png"/>
-          <p:cNvPicPr>
-            <a:picLocks noChangeAspect="1"/>
-          </p:cNvPicPr>
-          <p:nvPr/>
-        </p:nvPicPr>
-        <p:blipFill>
-          <a:blip r:embed="rId2">
-            <a:extLst/>
-          </a:blip>
-          <a:stretch>
-            <a:fillRect/>
-          </a:stretch>
-        </p:blipFill>
-        <p:spPr>
-          <a:xfrm>
-            <a:off x="3206750" y="2279650"/>
-            <a:ext cx="6413500" cy="6946900"/>
-          </a:xfrm>
-          <a:prstGeom prst="rect">
-            <a:avLst/>
-          </a:prstGeom>
-          <a:ln w="12700">
-            <a:miter lim="400000"/>
-          </a:ln>
-        </p:spPr>
-      </p:pic>
+              <a:t>Receiving side </a:t>
+            </a:r>
+          </a:p>
+        </p:txBody>
+      </p:sp>
+      <p:sp>
+        <p:nvSpPr>
+          <p:cNvPr id="231" name="Shape 231"/>
+          <p:cNvSpPr/>
+          <p:nvPr>
+            <p:ph type="body" idx="1"/>
+          </p:nvPr>
+        </p:nvSpPr>
+        <p:spPr>
+          <a:prstGeom prst="rect">
+            <a:avLst/>
+          </a:prstGeom>
+        </p:spPr>
+        <p:txBody>
+          <a:bodyPr/>
+          <a:lstStyle/>
+          <a:p>
+            <a:pPr/>
+            <a:r>
+              <a:t>Intent intent = getIntent()</a:t>
+            </a:r>
+          </a:p>
+        </p:txBody>
+      </p:sp>
     </p:spTree>
   </p:cSld>
   <p:clrMapOvr>
@@ -5877,10 +5837,38 @@
       </p:grpSpPr>
       <p:sp>
         <p:nvSpPr>
-          <p:cNvPr id="232" name="Shape 232"/>
+          <p:cNvPr id="233" name="Shape 233"/>
           <p:cNvSpPr/>
           <p:nvPr>
             <p:ph type="title"/>
+          </p:nvPr>
+        </p:nvSpPr>
+        <p:spPr>
+          <a:prstGeom prst="rect">
+            <a:avLst/>
+          </a:prstGeom>
+        </p:spPr>
+        <p:txBody>
+          <a:bodyPr/>
+          <a:lstStyle>
+            <a:lvl1pPr defTabSz="490727">
+              <a:defRPr sz="6719"/>
+            </a:lvl1pPr>
+          </a:lstStyle>
+          <a:p>
+            <a:pPr/>
+            <a:r>
+              <a:t>Returning results from activity</a:t>
+            </a:r>
+          </a:p>
+        </p:txBody>
+      </p:sp>
+      <p:sp>
+        <p:nvSpPr>
+          <p:cNvPr id="234" name="Shape 234"/>
+          <p:cNvSpPr/>
+          <p:nvPr>
+            <p:ph type="body" idx="1"/>
           </p:nvPr>
         </p:nvSpPr>
         <p:spPr>
@@ -5893,32 +5881,132 @@
           <a:lstStyle/>
           <a:p>
             <a:pPr/>
-            <a:r>
-              <a:t>Practice</a:t>
-            </a:r>
-          </a:p>
-        </p:txBody>
-      </p:sp>
-      <p:sp>
-        <p:nvSpPr>
-          <p:cNvPr id="233" name="Shape 233"/>
-          <p:cNvSpPr/>
-          <p:nvPr>
-            <p:ph type="body" idx="1"/>
-          </p:nvPr>
-        </p:nvSpPr>
-        <p:spPr>
-          <a:prstGeom prst="rect">
-            <a:avLst/>
-          </a:prstGeom>
-        </p:spPr>
-        <p:txBody>
-          <a:bodyPr/>
-          <a:lstStyle/>
-          <a:p>
-            <a:pPr/>
-            <a:r>
-              <a:t>Start a dialog on a long click of the item list view, it should ask either to delete it or not. On delete, delete.</a:t>
+          </a:p>
+        </p:txBody>
+      </p:sp>
+      <p:pic>
+        <p:nvPicPr>
+          <p:cNvPr id="235" name="pasted-image.png"/>
+          <p:cNvPicPr>
+            <a:picLocks noChangeAspect="1"/>
+          </p:cNvPicPr>
+          <p:nvPr/>
+        </p:nvPicPr>
+        <p:blipFill>
+          <a:blip r:embed="rId2">
+            <a:extLst/>
+          </a:blip>
+          <a:stretch>
+            <a:fillRect/>
+          </a:stretch>
+        </p:blipFill>
+        <p:spPr>
+          <a:xfrm>
+            <a:off x="1066800" y="2895600"/>
+            <a:ext cx="7289800" cy="939800"/>
+          </a:xfrm>
+          <a:prstGeom prst="rect">
+            <a:avLst/>
+          </a:prstGeom>
+          <a:ln w="12700">
+            <a:miter lim="400000"/>
+          </a:ln>
+        </p:spPr>
+      </p:pic>
+      <p:pic>
+        <p:nvPicPr>
+          <p:cNvPr id="236" name="pasted-image.png"/>
+          <p:cNvPicPr>
+            <a:picLocks noChangeAspect="1"/>
+          </p:cNvPicPr>
+          <p:nvPr/>
+        </p:nvPicPr>
+        <p:blipFill>
+          <a:blip r:embed="rId3">
+            <a:extLst/>
+          </a:blip>
+          <a:stretch>
+            <a:fillRect/>
+          </a:stretch>
+        </p:blipFill>
+        <p:spPr>
+          <a:xfrm>
+            <a:off x="1047750" y="3854450"/>
+            <a:ext cx="4279900" cy="1079500"/>
+          </a:xfrm>
+          <a:prstGeom prst="rect">
+            <a:avLst/>
+          </a:prstGeom>
+          <a:ln w="12700">
+            <a:miter lim="400000"/>
+          </a:ln>
+        </p:spPr>
+      </p:pic>
+      <p:pic>
+        <p:nvPicPr>
+          <p:cNvPr id="237" name="pasted-image.png"/>
+          <p:cNvPicPr>
+            <a:picLocks noChangeAspect="1"/>
+          </p:cNvPicPr>
+          <p:nvPr/>
+        </p:nvPicPr>
+        <p:blipFill>
+          <a:blip r:embed="rId4">
+            <a:extLst/>
+          </a:blip>
+          <a:stretch>
+            <a:fillRect/>
+          </a:stretch>
+        </p:blipFill>
+        <p:spPr>
+          <a:xfrm>
+            <a:off x="996950" y="5518150"/>
+            <a:ext cx="9436100" cy="3975100"/>
+          </a:xfrm>
+          <a:prstGeom prst="rect">
+            <a:avLst/>
+          </a:prstGeom>
+          <a:ln w="12700">
+            <a:miter lim="400000"/>
+          </a:ln>
+        </p:spPr>
+      </p:pic>
+      <p:sp>
+        <p:nvSpPr>
+          <p:cNvPr id="238" name="Shape 238"/>
+          <p:cNvSpPr/>
+          <p:nvPr/>
+        </p:nvSpPr>
+        <p:spPr>
+          <a:xfrm>
+            <a:off x="961643" y="4953000"/>
+            <a:ext cx="5468113" cy="647701"/>
+          </a:xfrm>
+          <a:prstGeom prst="rect">
+            <a:avLst/>
+          </a:prstGeom>
+          <a:ln w="12700">
+            <a:miter lim="400000"/>
+          </a:ln>
+          <a:extLst>
+            <a:ext uri="{C572A759-6A51-4108-AA02-DFA0A04FC94B}">
+              <ma14:wrappingTextBoxFlag xmlns:ma14="http://schemas.microsoft.com/office/mac/drawingml/2011/main" val="1"/>
+            </a:ext>
+          </a:extLst>
+        </p:spPr>
+        <p:txBody>
+          <a:bodyPr wrap="none" lIns="50800" tIns="50800" rIns="50800" bIns="50800" anchor="ctr">
+            <a:spAutoFit/>
+          </a:bodyPr>
+          <a:lstStyle>
+            <a:lvl1pPr>
+              <a:defRPr u="sng"/>
+            </a:lvl1pPr>
+          </a:lstStyle>
+          <a:p>
+            <a:pPr/>
+            <a:r>
+              <a:t>receive on the activity end</a:t>
             </a:r>
           </a:p>
         </p:txBody>
@@ -5949,35 +6037,147 @@
           <a:chExt cx="0" cy="0"/>
         </a:xfrm>
       </p:grpSpPr>
-      <p:pic>
-        <p:nvPicPr>
-          <p:cNvPr id="235" name="pasted-image.png"/>
-          <p:cNvPicPr>
-            <a:picLocks noChangeAspect="1"/>
-          </p:cNvPicPr>
-          <p:nvPr/>
-        </p:nvPicPr>
-        <p:blipFill>
-          <a:blip r:embed="rId2">
-            <a:extLst/>
-          </a:blip>
-          <a:stretch>
-            <a:fillRect/>
-          </a:stretch>
-        </p:blipFill>
-        <p:spPr>
-          <a:xfrm>
-            <a:off x="0" y="1289969"/>
-            <a:ext cx="13004800" cy="6259262"/>
-          </a:xfrm>
-          <a:prstGeom prst="rect">
-            <a:avLst/>
-          </a:prstGeom>
-          <a:ln w="12700">
-            <a:miter lim="400000"/>
-          </a:ln>
-        </p:spPr>
-      </p:pic>
+      <p:sp>
+        <p:nvSpPr>
+          <p:cNvPr id="240" name="Shape 240"/>
+          <p:cNvSpPr/>
+          <p:nvPr>
+            <p:ph type="title"/>
+          </p:nvPr>
+        </p:nvSpPr>
+        <p:spPr>
+          <a:prstGeom prst="rect">
+            <a:avLst/>
+          </a:prstGeom>
+        </p:spPr>
+        <p:txBody>
+          <a:bodyPr/>
+          <a:lstStyle/>
+          <a:p>
+            <a:pPr/>
+            <a:r>
+              <a:t>Practice</a:t>
+            </a:r>
+          </a:p>
+        </p:txBody>
+      </p:sp>
+      <p:sp>
+        <p:nvSpPr>
+          <p:cNvPr id="241" name="Shape 241"/>
+          <p:cNvSpPr/>
+          <p:nvPr>
+            <p:ph type="body" idx="1"/>
+          </p:nvPr>
+        </p:nvSpPr>
+        <p:spPr>
+          <a:prstGeom prst="rect">
+            <a:avLst/>
+          </a:prstGeom>
+        </p:spPr>
+        <p:txBody>
+          <a:bodyPr/>
+          <a:lstStyle/>
+          <a:p>
+            <a:pPr marL="284479" indent="-284479" defTabSz="373887">
+              <a:spcBef>
+                <a:spcPts val="2600"/>
+              </a:spcBef>
+              <a:defRPr sz="2304"/>
+            </a:pPr>
+            <a:r>
+              <a:t>Start EditNoteActivity with the intent as in the example </a:t>
+            </a:r>
+          </a:p>
+          <a:p>
+            <a:pPr lvl="1" marL="568959" indent="-284479" defTabSz="373887">
+              <a:spcBef>
+                <a:spcPts val="2600"/>
+              </a:spcBef>
+              <a:defRPr sz="2304"/>
+            </a:pPr>
+            <a:r>
+              <a:t>Explicit intent</a:t>
+            </a:r>
+          </a:p>
+          <a:p>
+            <a:pPr lvl="1" marL="568959" indent="-284479" defTabSz="373887">
+              <a:spcBef>
+                <a:spcPts val="2600"/>
+              </a:spcBef>
+              <a:defRPr sz="2304"/>
+            </a:pPr>
+            <a:r>
+              <a:t>startActivityForResult(intent)</a:t>
+            </a:r>
+          </a:p>
+          <a:p>
+            <a:pPr lvl="1" marL="568959" indent="-284479" defTabSz="373887">
+              <a:spcBef>
+                <a:spcPts val="2600"/>
+              </a:spcBef>
+              <a:defRPr sz="2304"/>
+            </a:pPr>
+            <a:r>
+              <a:t>add to it a test string “test” (putExtra)</a:t>
+            </a:r>
+          </a:p>
+          <a:p>
+            <a:pPr marL="284479" indent="-284479" defTabSz="373887">
+              <a:spcBef>
+                <a:spcPts val="2600"/>
+              </a:spcBef>
+              <a:defRPr sz="2304"/>
+            </a:pPr>
+            <a:r>
+              <a:t>Add an edit box and a go back button and return the result back the NoteActivity</a:t>
+            </a:r>
+          </a:p>
+          <a:p>
+            <a:pPr lvl="1" marL="568959" indent="-284479" defTabSz="373887">
+              <a:spcBef>
+                <a:spcPts val="2600"/>
+              </a:spcBef>
+              <a:defRPr sz="2304"/>
+            </a:pPr>
+            <a:r>
+              <a:t>set OnClickListener for the go back button </a:t>
+            </a:r>
+          </a:p>
+          <a:p>
+            <a:pPr lvl="1" marL="568959" indent="-284479" defTabSz="373887">
+              <a:spcBef>
+                <a:spcPts val="2600"/>
+              </a:spcBef>
+              <a:defRPr sz="2304"/>
+            </a:pPr>
+            <a:r>
+              <a:t>init a new Intent </a:t>
+            </a:r>
+          </a:p>
+          <a:p>
+            <a:pPr lvl="1" marL="568959" indent="-284479" defTabSz="373887">
+              <a:spcBef>
+                <a:spcPts val="2600"/>
+              </a:spcBef>
+              <a:defRPr sz="2304"/>
+            </a:pPr>
+            <a:r>
+              <a:t>setResult(intent)</a:t>
+            </a:r>
+          </a:p>
+          <a:p>
+            <a:pPr lvl="1" marL="568959" indent="-284479" defTabSz="373887">
+              <a:spcBef>
+                <a:spcPts val="2600"/>
+              </a:spcBef>
+              <a:defRPr sz="2304"/>
+            </a:pPr>
+            <a:r>
+              <a:t>finish</a:t>
+            </a:r>
+          </a:p>
+        </p:txBody>
+      </p:sp>
     </p:spTree>
   </p:cSld>
   <p:clrMapOvr>
@@ -6004,64 +6204,66 @@
           <a:chExt cx="0" cy="0"/>
         </a:xfrm>
       </p:grpSpPr>
-      <p:pic>
-        <p:nvPicPr>
-          <p:cNvPr id="237" name="pasted-image.png"/>
-          <p:cNvPicPr>
-            <a:picLocks noChangeAspect="1"/>
-          </p:cNvPicPr>
-          <p:nvPr/>
-        </p:nvPicPr>
-        <p:blipFill>
-          <a:blip r:embed="rId2">
-            <a:extLst/>
-          </a:blip>
-          <a:stretch>
-            <a:fillRect/>
-          </a:stretch>
-        </p:blipFill>
-        <p:spPr>
-          <a:xfrm>
-            <a:off x="2990850" y="1098550"/>
-            <a:ext cx="7023100" cy="850900"/>
-          </a:xfrm>
-          <a:prstGeom prst="rect">
-            <a:avLst/>
-          </a:prstGeom>
-          <a:ln w="12700">
-            <a:miter lim="400000"/>
-          </a:ln>
-        </p:spPr>
-      </p:pic>
-      <p:pic>
-        <p:nvPicPr>
-          <p:cNvPr id="238" name="pasted-image.png"/>
-          <p:cNvPicPr>
-            <a:picLocks noChangeAspect="1"/>
-          </p:cNvPicPr>
-          <p:nvPr/>
-        </p:nvPicPr>
-        <p:blipFill>
-          <a:blip r:embed="rId3">
-            <a:extLst/>
-          </a:blip>
-          <a:stretch>
-            <a:fillRect/>
-          </a:stretch>
-        </p:blipFill>
-        <p:spPr>
-          <a:xfrm>
-            <a:off x="1835150" y="2324100"/>
-            <a:ext cx="10452100" cy="6019800"/>
-          </a:xfrm>
-          <a:prstGeom prst="rect">
-            <a:avLst/>
-          </a:prstGeom>
-          <a:ln w="12700">
-            <a:miter lim="400000"/>
-          </a:ln>
-        </p:spPr>
-      </p:pic>
+      <p:sp>
+        <p:nvSpPr>
+          <p:cNvPr id="243" name="Shape 243"/>
+          <p:cNvSpPr/>
+          <p:nvPr>
+            <p:ph type="title"/>
+          </p:nvPr>
+        </p:nvSpPr>
+        <p:spPr>
+          <a:prstGeom prst="rect">
+            <a:avLst/>
+          </a:prstGeom>
+        </p:spPr>
+        <p:txBody>
+          <a:bodyPr/>
+          <a:lstStyle/>
+          <a:p>
+            <a:pPr/>
+            <a:r>
+              <a:t>What’s left for the note?</a:t>
+            </a:r>
+          </a:p>
+        </p:txBody>
+      </p:sp>
+      <p:sp>
+        <p:nvSpPr>
+          <p:cNvPr id="244" name="Shape 244"/>
+          <p:cNvSpPr/>
+          <p:nvPr>
+            <p:ph type="body" idx="1"/>
+          </p:nvPr>
+        </p:nvSpPr>
+        <p:spPr>
+          <a:prstGeom prst="rect">
+            <a:avLst/>
+          </a:prstGeom>
+        </p:spPr>
+        <p:txBody>
+          <a:bodyPr/>
+          <a:lstStyle/>
+          <a:p>
+            <a:pPr/>
+            <a:r>
+              <a:t>Long click on a note to delete </a:t>
+            </a:r>
+          </a:p>
+          <a:p>
+            <a:pPr lvl="1"/>
+            <a:r>
+              <a:t>Dialog Interface </a:t>
+            </a:r>
+          </a:p>
+          <a:p>
+            <a:pPr/>
+            <a:r>
+              <a:t>Saving the data </a:t>
+            </a:r>
+          </a:p>
+        </p:txBody>
+      </p:sp>
     </p:spTree>
   </p:cSld>
   <p:clrMapOvr>
@@ -6088,9 +6290,33 @@
           <a:chExt cx="0" cy="0"/>
         </a:xfrm>
       </p:grpSpPr>
+      <p:sp>
+        <p:nvSpPr>
+          <p:cNvPr id="246" name="Shape 246"/>
+          <p:cNvSpPr/>
+          <p:nvPr>
+            <p:ph type="title"/>
+          </p:nvPr>
+        </p:nvSpPr>
+        <p:spPr>
+          <a:prstGeom prst="rect">
+            <a:avLst/>
+          </a:prstGeom>
+        </p:spPr>
+        <p:txBody>
+          <a:bodyPr/>
+          <a:lstStyle/>
+          <a:p>
+            <a:pPr/>
+            <a:r>
+              <a:t>Alert dialog </a:t>
+            </a:r>
+          </a:p>
+        </p:txBody>
+      </p:sp>
       <p:pic>
         <p:nvPicPr>
-          <p:cNvPr id="240" name="pasted-image.png"/>
+          <p:cNvPr id="247" name="pasted-image.png"/>
           <p:cNvPicPr>
             <a:picLocks noChangeAspect="1"/>
           </p:cNvPicPr>
@@ -6106,66 +6332,8 @@
         </p:blipFill>
         <p:spPr>
           <a:xfrm>
-            <a:off x="3187700" y="1219200"/>
-            <a:ext cx="6629400" cy="609600"/>
-          </a:xfrm>
-          <a:prstGeom prst="rect">
-            <a:avLst/>
-          </a:prstGeom>
-          <a:ln w="12700">
-            <a:miter lim="400000"/>
-          </a:ln>
-        </p:spPr>
-      </p:pic>
-      <p:pic>
-        <p:nvPicPr>
-          <p:cNvPr id="241" name="pasted-image.png"/>
-          <p:cNvPicPr>
-            <a:picLocks noChangeAspect="1"/>
-          </p:cNvPicPr>
-          <p:nvPr/>
-        </p:nvPicPr>
-        <p:blipFill>
-          <a:blip r:embed="rId3">
-            <a:extLst/>
-          </a:blip>
-          <a:stretch>
-            <a:fillRect/>
-          </a:stretch>
-        </p:blipFill>
-        <p:spPr>
-          <a:xfrm>
-            <a:off x="1701800" y="4051300"/>
-            <a:ext cx="10210800" cy="3403600"/>
-          </a:xfrm>
-          <a:prstGeom prst="rect">
-            <a:avLst/>
-          </a:prstGeom>
-          <a:ln w="12700">
-            <a:miter lim="400000"/>
-          </a:ln>
-        </p:spPr>
-      </p:pic>
-      <p:pic>
-        <p:nvPicPr>
-          <p:cNvPr id="242" name="pasted-image.png"/>
-          <p:cNvPicPr>
-            <a:picLocks noChangeAspect="1"/>
-          </p:cNvPicPr>
-          <p:nvPr/>
-        </p:nvPicPr>
-        <p:blipFill>
-          <a:blip r:embed="rId4">
-            <a:extLst/>
-          </a:blip>
-          <a:stretch>
-            <a:fillRect/>
-          </a:stretch>
-        </p:blipFill>
-        <p:spPr>
-          <a:xfrm>
-            <a:off x="1752600" y="3625850"/>
-            <a:ext cx="4724400" cy="317500"/>
+            <a:off x="3206750" y="2279650"/>
+            <a:ext cx="6413500" cy="6946900"/>
           </a:xfrm>
           <a:prstGeom prst="rect">
             <a:avLst/>
@@ -6203,7 +6371,7 @@
       </p:grpSpPr>
       <p:sp>
         <p:nvSpPr>
-          <p:cNvPr id="244" name="Shape 244"/>
+          <p:cNvPr id="249" name="Shape 249"/>
           <p:cNvSpPr/>
           <p:nvPr>
             <p:ph type="title"/>
@@ -6219,12 +6387,15 @@
           <a:lstStyle/>
           <a:p>
             <a:pPr/>
-          </a:p>
-        </p:txBody>
-      </p:sp>
-      <p:sp>
-        <p:nvSpPr>
-          <p:cNvPr id="245" name="Shape 245"/>
+            <a:r>
+              <a:t>Practice</a:t>
+            </a:r>
+          </a:p>
+        </p:txBody>
+      </p:sp>
+      <p:sp>
+        <p:nvSpPr>
+          <p:cNvPr id="250" name="Shape 250"/>
           <p:cNvSpPr/>
           <p:nvPr>
             <p:ph type="body" idx="1"/>
@@ -6240,38 +6411,12 @@
           <a:lstStyle/>
           <a:p>
             <a:pPr/>
-          </a:p>
-        </p:txBody>
-      </p:sp>
-      <p:pic>
-        <p:nvPicPr>
-          <p:cNvPr id="246" name="pasted-image.png"/>
-          <p:cNvPicPr>
-            <a:picLocks noChangeAspect="1"/>
-          </p:cNvPicPr>
-          <p:nvPr/>
-        </p:nvPicPr>
-        <p:blipFill>
-          <a:blip r:embed="rId2">
-            <a:extLst/>
-          </a:blip>
-          <a:stretch>
-            <a:fillRect/>
-          </a:stretch>
-        </p:blipFill>
-        <p:spPr>
-          <a:xfrm>
-            <a:off x="2804760" y="1505545"/>
-            <a:ext cx="7395280" cy="7784505"/>
-          </a:xfrm>
-          <a:prstGeom prst="rect">
-            <a:avLst/>
-          </a:prstGeom>
-          <a:ln w="12700">
-            <a:miter lim="400000"/>
-          </a:ln>
-        </p:spPr>
-      </p:pic>
+            <a:r>
+              <a:t>Start a dialog on a long click of the item list view, it should ask either to delete it or not. On delete, delete.</a:t>
+            </a:r>
+          </a:p>
+        </p:txBody>
+      </p:sp>
     </p:spTree>
   </p:cSld>
   <p:clrMapOvr>
@@ -6300,7 +6445,7 @@
       </p:grpSpPr>
       <p:sp>
         <p:nvSpPr>
-          <p:cNvPr id="248" name="Shape 248"/>
+          <p:cNvPr id="252" name="Shape 252"/>
           <p:cNvSpPr/>
           <p:nvPr>
             <p:ph type="title"/>
@@ -6317,14 +6462,14 @@
           <a:p>
             <a:pPr/>
             <a:r>
-              <a:t>Practice</a:t>
-            </a:r>
-          </a:p>
-        </p:txBody>
-      </p:sp>
-      <p:sp>
-        <p:nvSpPr>
-          <p:cNvPr id="249" name="Shape 249"/>
+              <a:t>Persistance </a:t>
+            </a:r>
+          </a:p>
+        </p:txBody>
+      </p:sp>
+      <p:sp>
+        <p:nvSpPr>
+          <p:cNvPr id="253" name="Shape 253"/>
           <p:cNvSpPr/>
           <p:nvPr>
             <p:ph type="body" idx="1"/>
@@ -6341,58 +6486,32 @@
           <a:p>
             <a:pPr/>
             <a:r>
-              <a:t>Create a shared preferences </a:t>
-            </a:r>
-          </a:p>
-          <a:p>
-            <a:pPr/>
-            <a:r>
-              <a:t>Save a string </a:t>
-            </a:r>
-          </a:p>
-          <a:p>
-            <a:pPr/>
-            <a:r>
-              <a:t>Save all title notes</a:t>
-            </a:r>
-          </a:p>
-          <a:p>
-            <a:pPr/>
-            <a:r>
-              <a:t>Save all note details </a:t>
-            </a:r>
-          </a:p>
-        </p:txBody>
-      </p:sp>
-      <p:pic>
-        <p:nvPicPr>
-          <p:cNvPr id="250" name="pasted-image.png"/>
-          <p:cNvPicPr>
-            <a:picLocks noChangeAspect="1"/>
-          </p:cNvPicPr>
-          <p:nvPr/>
-        </p:nvPicPr>
-        <p:blipFill>
-          <a:blip r:embed="rId2">
-            <a:extLst/>
-          </a:blip>
-          <a:stretch>
-            <a:fillRect/>
-          </a:stretch>
-        </p:blipFill>
-        <p:spPr>
-          <a:xfrm>
-            <a:off x="8398511" y="3329970"/>
-            <a:ext cx="2302707" cy="4096960"/>
-          </a:xfrm>
-          <a:prstGeom prst="rect">
-            <a:avLst/>
-          </a:prstGeom>
-          <a:ln w="12700">
-            <a:miter lim="400000"/>
-          </a:ln>
-        </p:spPr>
-      </p:pic>
+              <a:t>Why ? What happens when turn off the mobile ?</a:t>
+            </a:r>
+          </a:p>
+          <a:p>
+            <a:pPr/>
+            <a:r>
+              <a:t>Exit the app ?</a:t>
+            </a:r>
+          </a:p>
+          <a:p>
+            <a:pPr/>
+            <a:r>
+              <a:t>Too much resources are on hold ?</a:t>
+            </a:r>
+          </a:p>
+          <a:p>
+            <a:pPr/>
+          </a:p>
+          <a:p>
+            <a:pPr/>
+            <a:r>
+              <a:t>We lost the data -&gt; lets save it (persist it)</a:t>
+            </a:r>
+          </a:p>
+        </p:txBody>
+      </p:sp>
     </p:spTree>
   </p:cSld>
   <p:clrMapOvr>
@@ -6419,51 +6538,35 @@
           <a:chExt cx="0" cy="0"/>
         </a:xfrm>
       </p:grpSpPr>
-      <p:sp>
-        <p:nvSpPr>
-          <p:cNvPr id="252" name="Shape 252"/>
-          <p:cNvSpPr/>
-          <p:nvPr>
-            <p:ph type="title"/>
-          </p:nvPr>
-        </p:nvSpPr>
-        <p:spPr>
-          <a:prstGeom prst="rect">
-            <a:avLst/>
-          </a:prstGeom>
-        </p:spPr>
-        <p:txBody>
-          <a:bodyPr/>
-          <a:lstStyle/>
-          <a:p>
-            <a:pPr/>
-            <a:r>
-              <a:t>Homework</a:t>
-            </a:r>
-          </a:p>
-        </p:txBody>
-      </p:sp>
-      <p:sp>
-        <p:nvSpPr>
-          <p:cNvPr id="253" name="Shape 253"/>
-          <p:cNvSpPr/>
-          <p:nvPr>
-            <p:ph type="body" idx="1"/>
-          </p:nvPr>
-        </p:nvSpPr>
-        <p:spPr>
-          <a:prstGeom prst="rect">
-            <a:avLst/>
-          </a:prstGeom>
-        </p:spPr>
-        <p:txBody>
-          <a:bodyPr/>
-          <a:lstStyle/>
-          <a:p>
-            <a:pPr/>
-          </a:p>
-        </p:txBody>
-      </p:sp>
+      <p:pic>
+        <p:nvPicPr>
+          <p:cNvPr id="255" name="pasted-image.png"/>
+          <p:cNvPicPr>
+            <a:picLocks noChangeAspect="1"/>
+          </p:cNvPicPr>
+          <p:nvPr/>
+        </p:nvPicPr>
+        <p:blipFill>
+          <a:blip r:embed="rId2">
+            <a:extLst/>
+          </a:blip>
+          <a:stretch>
+            <a:fillRect/>
+          </a:stretch>
+        </p:blipFill>
+        <p:spPr>
+          <a:xfrm>
+            <a:off x="0" y="1289969"/>
+            <a:ext cx="13004800" cy="6259262"/>
+          </a:xfrm>
+          <a:prstGeom prst="rect">
+            <a:avLst/>
+          </a:prstGeom>
+          <a:ln w="12700">
+            <a:miter lim="400000"/>
+          </a:ln>
+        </p:spPr>
+      </p:pic>
     </p:spTree>
   </p:cSld>
   <p:clrMapOvr>
@@ -6492,7 +6595,7 @@
       </p:grpSpPr>
       <p:sp>
         <p:nvSpPr>
-          <p:cNvPr id="131" name="Shape 131"/>
+          <p:cNvPr id="130" name="Shape 130"/>
           <p:cNvSpPr/>
           <p:nvPr>
             <p:ph type="title"/>
@@ -6516,7 +6619,7 @@
       </p:sp>
       <p:sp>
         <p:nvSpPr>
-          <p:cNvPr id="132" name="Shape 132"/>
+          <p:cNvPr id="131" name="Shape 131"/>
           <p:cNvSpPr/>
           <p:nvPr>
             <p:ph type="body" idx="1"/>
@@ -6531,21 +6634,802 @@
           <a:bodyPr/>
           <a:lstStyle/>
           <a:p>
-            <a:pPr/>
-            <a:r>
-              <a:t>Challenge - how to align them ? </a:t>
-            </a:r>
-          </a:p>
-          <a:p>
-            <a:pPr/>
-            <a:r>
-              <a:t>Hint: LinearLayout + LinearLayouts </a:t>
-            </a:r>
-          </a:p>
-          <a:p>
-            <a:pPr/>
-            <a:r>
-              <a:t>Any one wanna try ? </a:t>
+            <a:pPr marL="342264" indent="-342264" defTabSz="449833">
+              <a:spcBef>
+                <a:spcPts val="3200"/>
+              </a:spcBef>
+              <a:defRPr sz="2772"/>
+            </a:pPr>
+            <a:r>
+              <a:t>A client asked for a grid like app, each TextView should hold a separate counter </a:t>
+            </a:r>
+          </a:p>
+          <a:p>
+            <a:pPr marL="342264" indent="-342264" defTabSz="449833">
+              <a:spcBef>
+                <a:spcPts val="3200"/>
+              </a:spcBef>
+              <a:defRPr sz="2772"/>
+            </a:pPr>
+            <a:r>
+              <a:t>Bonus - use three horizontal LinearLayout for each row, and a vertical LinearLayout for their parent</a:t>
+            </a:r>
+          </a:p>
+          <a:p>
+            <a:pPr marL="342264" indent="-342264" defTabSz="449833">
+              <a:spcBef>
+                <a:spcPts val="3200"/>
+              </a:spcBef>
+              <a:defRPr sz="2772"/>
+            </a:pPr>
+          </a:p>
+          <a:p>
+            <a:pPr marL="342264" indent="-342264" defTabSz="449833">
+              <a:spcBef>
+                <a:spcPts val="3200"/>
+              </a:spcBef>
+              <a:defRPr sz="2772"/>
+            </a:pPr>
+          </a:p>
+          <a:p>
+            <a:pPr marL="342264" indent="-342264" defTabSz="449833">
+              <a:spcBef>
+                <a:spcPts val="3200"/>
+              </a:spcBef>
+              <a:defRPr sz="2772"/>
+            </a:pPr>
+          </a:p>
+          <a:p>
+            <a:pPr marL="342264" indent="-342264" defTabSz="449833">
+              <a:spcBef>
+                <a:spcPts val="3200"/>
+              </a:spcBef>
+              <a:defRPr sz="2772"/>
+            </a:pPr>
+          </a:p>
+        </p:txBody>
+      </p:sp>
+      <p:pic>
+        <p:nvPicPr>
+          <p:cNvPr id="132" name="pasted-image.png"/>
+          <p:cNvPicPr>
+            <a:picLocks noChangeAspect="1"/>
+          </p:cNvPicPr>
+          <p:nvPr/>
+        </p:nvPicPr>
+        <p:blipFill>
+          <a:blip r:embed="rId2">
+            <a:extLst/>
+          </a:blip>
+          <a:stretch>
+            <a:fillRect/>
+          </a:stretch>
+        </p:blipFill>
+        <p:spPr>
+          <a:xfrm>
+            <a:off x="4019550" y="4876800"/>
+            <a:ext cx="3594100" cy="2667000"/>
+          </a:xfrm>
+          <a:prstGeom prst="rect">
+            <a:avLst/>
+          </a:prstGeom>
+          <a:ln w="12700">
+            <a:miter lim="400000"/>
+          </a:ln>
+        </p:spPr>
+      </p:pic>
+    </p:spTree>
+  </p:cSld>
+  <p:clrMapOvr>
+    <a:masterClrMapping/>
+  </p:clrMapOvr>
+  <p:transition xmlns:p14="http://schemas.microsoft.com/office/powerpoint/2010/main" spd="med" advClick="1" p14:dur="1000"/>
+</p:sld>
+</file>
+
+<file path=ppt/slides/slide40.xml><?xml version="1.0" encoding="utf-8"?>
+<p:sld xmlns:a="http://schemas.openxmlformats.org/drawingml/2006/main" xmlns:r="http://schemas.openxmlformats.org/officeDocument/2006/relationships" xmlns:p="http://schemas.openxmlformats.org/presentationml/2006/main" showMasterSp="1" showMasterPhAnim="1">
+  <p:cSld>
+    <p:spTree>
+      <p:nvGrpSpPr>
+        <p:cNvPr id="1" name=""/>
+        <p:cNvGrpSpPr/>
+        <p:nvPr/>
+      </p:nvGrpSpPr>
+      <p:grpSpPr>
+        <a:xfrm>
+          <a:off x="0" y="0"/>
+          <a:ext cx="0" cy="0"/>
+          <a:chOff x="0" y="0"/>
+          <a:chExt cx="0" cy="0"/>
+        </a:xfrm>
+      </p:grpSpPr>
+      <p:pic>
+        <p:nvPicPr>
+          <p:cNvPr id="257" name="pasted-image.png"/>
+          <p:cNvPicPr>
+            <a:picLocks noChangeAspect="1"/>
+          </p:cNvPicPr>
+          <p:nvPr/>
+        </p:nvPicPr>
+        <p:blipFill>
+          <a:blip r:embed="rId2">
+            <a:extLst/>
+          </a:blip>
+          <a:stretch>
+            <a:fillRect/>
+          </a:stretch>
+        </p:blipFill>
+        <p:spPr>
+          <a:xfrm>
+            <a:off x="2990850" y="1098550"/>
+            <a:ext cx="7023100" cy="850900"/>
+          </a:xfrm>
+          <a:prstGeom prst="rect">
+            <a:avLst/>
+          </a:prstGeom>
+          <a:ln w="12700">
+            <a:miter lim="400000"/>
+          </a:ln>
+        </p:spPr>
+      </p:pic>
+      <p:pic>
+        <p:nvPicPr>
+          <p:cNvPr id="258" name="pasted-image.png"/>
+          <p:cNvPicPr>
+            <a:picLocks noChangeAspect="1"/>
+          </p:cNvPicPr>
+          <p:nvPr/>
+        </p:nvPicPr>
+        <p:blipFill>
+          <a:blip r:embed="rId3">
+            <a:extLst/>
+          </a:blip>
+          <a:stretch>
+            <a:fillRect/>
+          </a:stretch>
+        </p:blipFill>
+        <p:spPr>
+          <a:xfrm>
+            <a:off x="1835150" y="2324100"/>
+            <a:ext cx="10452100" cy="6019800"/>
+          </a:xfrm>
+          <a:prstGeom prst="rect">
+            <a:avLst/>
+          </a:prstGeom>
+          <a:ln w="12700">
+            <a:miter lim="400000"/>
+          </a:ln>
+        </p:spPr>
+      </p:pic>
+    </p:spTree>
+  </p:cSld>
+  <p:clrMapOvr>
+    <a:masterClrMapping/>
+  </p:clrMapOvr>
+  <p:transition xmlns:p14="http://schemas.microsoft.com/office/powerpoint/2010/main" spd="med" advClick="1" p14:dur="1000"/>
+</p:sld>
+</file>
+
+<file path=ppt/slides/slide41.xml><?xml version="1.0" encoding="utf-8"?>
+<p:sld xmlns:a="http://schemas.openxmlformats.org/drawingml/2006/main" xmlns:r="http://schemas.openxmlformats.org/officeDocument/2006/relationships" xmlns:p="http://schemas.openxmlformats.org/presentationml/2006/main" showMasterSp="1" showMasterPhAnim="1">
+  <p:cSld>
+    <p:spTree>
+      <p:nvGrpSpPr>
+        <p:cNvPr id="1" name=""/>
+        <p:cNvGrpSpPr/>
+        <p:nvPr/>
+      </p:nvGrpSpPr>
+      <p:grpSpPr>
+        <a:xfrm>
+          <a:off x="0" y="0"/>
+          <a:ext cx="0" cy="0"/>
+          <a:chOff x="0" y="0"/>
+          <a:chExt cx="0" cy="0"/>
+        </a:xfrm>
+      </p:grpSpPr>
+      <p:pic>
+        <p:nvPicPr>
+          <p:cNvPr id="260" name="pasted-image.png"/>
+          <p:cNvPicPr>
+            <a:picLocks noChangeAspect="1"/>
+          </p:cNvPicPr>
+          <p:nvPr/>
+        </p:nvPicPr>
+        <p:blipFill>
+          <a:blip r:embed="rId2">
+            <a:extLst/>
+          </a:blip>
+          <a:stretch>
+            <a:fillRect/>
+          </a:stretch>
+        </p:blipFill>
+        <p:spPr>
+          <a:xfrm>
+            <a:off x="3187700" y="1219200"/>
+            <a:ext cx="6629400" cy="609600"/>
+          </a:xfrm>
+          <a:prstGeom prst="rect">
+            <a:avLst/>
+          </a:prstGeom>
+          <a:ln w="12700">
+            <a:miter lim="400000"/>
+          </a:ln>
+        </p:spPr>
+      </p:pic>
+      <p:pic>
+        <p:nvPicPr>
+          <p:cNvPr id="261" name="pasted-image.png"/>
+          <p:cNvPicPr>
+            <a:picLocks noChangeAspect="1"/>
+          </p:cNvPicPr>
+          <p:nvPr/>
+        </p:nvPicPr>
+        <p:blipFill>
+          <a:blip r:embed="rId3">
+            <a:extLst/>
+          </a:blip>
+          <a:stretch>
+            <a:fillRect/>
+          </a:stretch>
+        </p:blipFill>
+        <p:spPr>
+          <a:xfrm>
+            <a:off x="1701800" y="4051300"/>
+            <a:ext cx="10210800" cy="3403600"/>
+          </a:xfrm>
+          <a:prstGeom prst="rect">
+            <a:avLst/>
+          </a:prstGeom>
+          <a:ln w="12700">
+            <a:miter lim="400000"/>
+          </a:ln>
+        </p:spPr>
+      </p:pic>
+      <p:pic>
+        <p:nvPicPr>
+          <p:cNvPr id="262" name="pasted-image.png"/>
+          <p:cNvPicPr>
+            <a:picLocks noChangeAspect="1"/>
+          </p:cNvPicPr>
+          <p:nvPr/>
+        </p:nvPicPr>
+        <p:blipFill>
+          <a:blip r:embed="rId4">
+            <a:extLst/>
+          </a:blip>
+          <a:stretch>
+            <a:fillRect/>
+          </a:stretch>
+        </p:blipFill>
+        <p:spPr>
+          <a:xfrm>
+            <a:off x="1752600" y="3625850"/>
+            <a:ext cx="4724400" cy="317500"/>
+          </a:xfrm>
+          <a:prstGeom prst="rect">
+            <a:avLst/>
+          </a:prstGeom>
+          <a:ln w="12700">
+            <a:miter lim="400000"/>
+          </a:ln>
+        </p:spPr>
+      </p:pic>
+    </p:spTree>
+  </p:cSld>
+  <p:clrMapOvr>
+    <a:masterClrMapping/>
+  </p:clrMapOvr>
+  <p:transition xmlns:p14="http://schemas.microsoft.com/office/powerpoint/2010/main" spd="med" advClick="1" p14:dur="1000"/>
+</p:sld>
+</file>
+
+<file path=ppt/slides/slide42.xml><?xml version="1.0" encoding="utf-8"?>
+<p:sld xmlns:a="http://schemas.openxmlformats.org/drawingml/2006/main" xmlns:r="http://schemas.openxmlformats.org/officeDocument/2006/relationships" xmlns:p="http://schemas.openxmlformats.org/presentationml/2006/main" showMasterSp="1" showMasterPhAnim="1">
+  <p:cSld>
+    <p:spTree>
+      <p:nvGrpSpPr>
+        <p:cNvPr id="1" name=""/>
+        <p:cNvGrpSpPr/>
+        <p:nvPr/>
+      </p:nvGrpSpPr>
+      <p:grpSpPr>
+        <a:xfrm>
+          <a:off x="0" y="0"/>
+          <a:ext cx="0" cy="0"/>
+          <a:chOff x="0" y="0"/>
+          <a:chExt cx="0" cy="0"/>
+        </a:xfrm>
+      </p:grpSpPr>
+      <p:sp>
+        <p:nvSpPr>
+          <p:cNvPr id="264" name="Shape 264"/>
+          <p:cNvSpPr/>
+          <p:nvPr>
+            <p:ph type="title"/>
+          </p:nvPr>
+        </p:nvSpPr>
+        <p:spPr>
+          <a:prstGeom prst="rect">
+            <a:avLst/>
+          </a:prstGeom>
+        </p:spPr>
+        <p:txBody>
+          <a:bodyPr/>
+          <a:lstStyle/>
+          <a:p>
+            <a:pPr/>
+          </a:p>
+        </p:txBody>
+      </p:sp>
+      <p:sp>
+        <p:nvSpPr>
+          <p:cNvPr id="265" name="Shape 265"/>
+          <p:cNvSpPr/>
+          <p:nvPr>
+            <p:ph type="body" idx="1"/>
+          </p:nvPr>
+        </p:nvSpPr>
+        <p:spPr>
+          <a:prstGeom prst="rect">
+            <a:avLst/>
+          </a:prstGeom>
+        </p:spPr>
+        <p:txBody>
+          <a:bodyPr/>
+          <a:lstStyle/>
+          <a:p>
+            <a:pPr/>
+          </a:p>
+        </p:txBody>
+      </p:sp>
+      <p:pic>
+        <p:nvPicPr>
+          <p:cNvPr id="266" name="pasted-image.png"/>
+          <p:cNvPicPr>
+            <a:picLocks noChangeAspect="1"/>
+          </p:cNvPicPr>
+          <p:nvPr/>
+        </p:nvPicPr>
+        <p:blipFill>
+          <a:blip r:embed="rId2">
+            <a:extLst/>
+          </a:blip>
+          <a:stretch>
+            <a:fillRect/>
+          </a:stretch>
+        </p:blipFill>
+        <p:spPr>
+          <a:xfrm>
+            <a:off x="2804760" y="1505545"/>
+            <a:ext cx="7395280" cy="7784505"/>
+          </a:xfrm>
+          <a:prstGeom prst="rect">
+            <a:avLst/>
+          </a:prstGeom>
+          <a:ln w="12700">
+            <a:miter lim="400000"/>
+          </a:ln>
+        </p:spPr>
+      </p:pic>
+    </p:spTree>
+  </p:cSld>
+  <p:clrMapOvr>
+    <a:masterClrMapping/>
+  </p:clrMapOvr>
+  <p:transition xmlns:p14="http://schemas.microsoft.com/office/powerpoint/2010/main" spd="med" advClick="1" p14:dur="1000"/>
+</p:sld>
+</file>
+
+<file path=ppt/slides/slide43.xml><?xml version="1.0" encoding="utf-8"?>
+<p:sld xmlns:a="http://schemas.openxmlformats.org/drawingml/2006/main" xmlns:r="http://schemas.openxmlformats.org/officeDocument/2006/relationships" xmlns:p="http://schemas.openxmlformats.org/presentationml/2006/main" showMasterSp="1" showMasterPhAnim="1">
+  <p:cSld>
+    <p:spTree>
+      <p:nvGrpSpPr>
+        <p:cNvPr id="1" name=""/>
+        <p:cNvGrpSpPr/>
+        <p:nvPr/>
+      </p:nvGrpSpPr>
+      <p:grpSpPr>
+        <a:xfrm>
+          <a:off x="0" y="0"/>
+          <a:ext cx="0" cy="0"/>
+          <a:chOff x="0" y="0"/>
+          <a:chExt cx="0" cy="0"/>
+        </a:xfrm>
+      </p:grpSpPr>
+      <p:sp>
+        <p:nvSpPr>
+          <p:cNvPr id="268" name="Shape 268"/>
+          <p:cNvSpPr/>
+          <p:nvPr>
+            <p:ph type="title"/>
+          </p:nvPr>
+        </p:nvSpPr>
+        <p:spPr>
+          <a:prstGeom prst="rect">
+            <a:avLst/>
+          </a:prstGeom>
+        </p:spPr>
+        <p:txBody>
+          <a:bodyPr/>
+          <a:lstStyle/>
+          <a:p>
+            <a:pPr/>
+            <a:r>
+              <a:t>Practice</a:t>
+            </a:r>
+          </a:p>
+        </p:txBody>
+      </p:sp>
+      <p:sp>
+        <p:nvSpPr>
+          <p:cNvPr id="269" name="Shape 269"/>
+          <p:cNvSpPr/>
+          <p:nvPr>
+            <p:ph type="body" idx="1"/>
+          </p:nvPr>
+        </p:nvSpPr>
+        <p:spPr>
+          <a:prstGeom prst="rect">
+            <a:avLst/>
+          </a:prstGeom>
+        </p:spPr>
+        <p:txBody>
+          <a:bodyPr/>
+          <a:lstStyle/>
+          <a:p>
+            <a:pPr/>
+            <a:r>
+              <a:t>Create a shared preferences </a:t>
+            </a:r>
+          </a:p>
+          <a:p>
+            <a:pPr/>
+            <a:r>
+              <a:t>Save a string </a:t>
+            </a:r>
+          </a:p>
+          <a:p>
+            <a:pPr/>
+            <a:r>
+              <a:t>Save all title notes</a:t>
+            </a:r>
+          </a:p>
+          <a:p>
+            <a:pPr/>
+            <a:r>
+              <a:t>Save all note details </a:t>
+            </a:r>
+          </a:p>
+        </p:txBody>
+      </p:sp>
+      <p:pic>
+        <p:nvPicPr>
+          <p:cNvPr id="270" name="pasted-image.png"/>
+          <p:cNvPicPr>
+            <a:picLocks noChangeAspect="1"/>
+          </p:cNvPicPr>
+          <p:nvPr/>
+        </p:nvPicPr>
+        <p:blipFill>
+          <a:blip r:embed="rId2">
+            <a:extLst/>
+          </a:blip>
+          <a:stretch>
+            <a:fillRect/>
+          </a:stretch>
+        </p:blipFill>
+        <p:spPr>
+          <a:xfrm>
+            <a:off x="8398511" y="3329970"/>
+            <a:ext cx="2302707" cy="4096960"/>
+          </a:xfrm>
+          <a:prstGeom prst="rect">
+            <a:avLst/>
+          </a:prstGeom>
+          <a:ln w="12700">
+            <a:miter lim="400000"/>
+          </a:ln>
+        </p:spPr>
+      </p:pic>
+    </p:spTree>
+  </p:cSld>
+  <p:clrMapOvr>
+    <a:masterClrMapping/>
+  </p:clrMapOvr>
+  <p:transition xmlns:p14="http://schemas.microsoft.com/office/powerpoint/2010/main" spd="med" advClick="1" p14:dur="1000"/>
+</p:sld>
+</file>
+
+<file path=ppt/slides/slide44.xml><?xml version="1.0" encoding="utf-8"?>
+<p:sld xmlns:a="http://schemas.openxmlformats.org/drawingml/2006/main" xmlns:r="http://schemas.openxmlformats.org/officeDocument/2006/relationships" xmlns:p="http://schemas.openxmlformats.org/presentationml/2006/main" showMasterSp="1" showMasterPhAnim="1">
+  <p:cSld>
+    <p:spTree>
+      <p:nvGrpSpPr>
+        <p:cNvPr id="1" name=""/>
+        <p:cNvGrpSpPr/>
+        <p:nvPr/>
+      </p:nvGrpSpPr>
+      <p:grpSpPr>
+        <a:xfrm>
+          <a:off x="0" y="0"/>
+          <a:ext cx="0" cy="0"/>
+          <a:chOff x="0" y="0"/>
+          <a:chExt cx="0" cy="0"/>
+        </a:xfrm>
+      </p:grpSpPr>
+      <p:sp>
+        <p:nvSpPr>
+          <p:cNvPr id="272" name="Shape 272"/>
+          <p:cNvSpPr/>
+          <p:nvPr>
+            <p:ph type="title"/>
+          </p:nvPr>
+        </p:nvSpPr>
+        <p:spPr>
+          <a:prstGeom prst="rect">
+            <a:avLst/>
+          </a:prstGeom>
+        </p:spPr>
+        <p:txBody>
+          <a:bodyPr/>
+          <a:lstStyle/>
+          <a:p>
+            <a:pPr/>
+            <a:r>
+              <a:t>Summary</a:t>
+            </a:r>
+          </a:p>
+        </p:txBody>
+      </p:sp>
+      <p:sp>
+        <p:nvSpPr>
+          <p:cNvPr id="273" name="Shape 273"/>
+          <p:cNvSpPr/>
+          <p:nvPr>
+            <p:ph type="body" idx="1"/>
+          </p:nvPr>
+        </p:nvSpPr>
+        <p:spPr>
+          <a:prstGeom prst="rect">
+            <a:avLst/>
+          </a:prstGeom>
+        </p:spPr>
+        <p:txBody>
+          <a:bodyPr/>
+          <a:lstStyle/>
+          <a:p>
+            <a:pPr marL="391159" indent="-391159" defTabSz="514095">
+              <a:spcBef>
+                <a:spcPts val="3600"/>
+              </a:spcBef>
+              <a:defRPr sz="3168"/>
+            </a:pPr>
+            <a:r>
+              <a:t>Pizza app</a:t>
+            </a:r>
+          </a:p>
+          <a:p>
+            <a:pPr lvl="1" marL="782319" indent="-391159" defTabSz="514095">
+              <a:spcBef>
+                <a:spcPts val="3600"/>
+              </a:spcBef>
+              <a:defRPr sz="3168"/>
+            </a:pPr>
+            <a:r>
+              <a:t>new view - checkboxes </a:t>
+            </a:r>
+          </a:p>
+          <a:p>
+            <a:pPr marL="391159" indent="-391159" defTabSz="514095">
+              <a:spcBef>
+                <a:spcPts val="3600"/>
+              </a:spcBef>
+              <a:defRPr sz="3168"/>
+            </a:pPr>
+            <a:r>
+              <a:t>TODO app</a:t>
+            </a:r>
+          </a:p>
+          <a:p>
+            <a:pPr lvl="1" marL="782319" indent="-391159" defTabSz="514095">
+              <a:spcBef>
+                <a:spcPts val="3600"/>
+              </a:spcBef>
+              <a:defRPr sz="3168"/>
+            </a:pPr>
+            <a:r>
+              <a:t>Lists and adapters </a:t>
+            </a:r>
+          </a:p>
+          <a:p>
+            <a:pPr lvl="1" marL="782319" indent="-391159" defTabSz="514095">
+              <a:spcBef>
+                <a:spcPts val="3600"/>
+              </a:spcBef>
+              <a:defRPr sz="3168"/>
+            </a:pPr>
+            <a:r>
+              <a:t>Intents</a:t>
+            </a:r>
+          </a:p>
+          <a:p>
+            <a:pPr lvl="1" marL="782319" indent="-391159" defTabSz="514095">
+              <a:spcBef>
+                <a:spcPts val="3600"/>
+              </a:spcBef>
+              <a:defRPr sz="3168"/>
+            </a:pPr>
+            <a:r>
+              <a:t>AlertDialog </a:t>
+            </a:r>
+          </a:p>
+          <a:p>
+            <a:pPr lvl="1" marL="782319" indent="-391159" defTabSz="514095">
+              <a:spcBef>
+                <a:spcPts val="3600"/>
+              </a:spcBef>
+              <a:defRPr sz="3168"/>
+            </a:pPr>
+            <a:r>
+              <a:t>SharedPreferences </a:t>
+            </a:r>
+          </a:p>
+        </p:txBody>
+      </p:sp>
+    </p:spTree>
+  </p:cSld>
+  <p:clrMapOvr>
+    <a:masterClrMapping/>
+  </p:clrMapOvr>
+  <p:transition xmlns:p14="http://schemas.microsoft.com/office/powerpoint/2010/main" spd="med" advClick="1" p14:dur="1000"/>
+</p:sld>
+</file>
+
+<file path=ppt/slides/slide45.xml><?xml version="1.0" encoding="utf-8"?>
+<p:sld xmlns:a="http://schemas.openxmlformats.org/drawingml/2006/main" xmlns:r="http://schemas.openxmlformats.org/officeDocument/2006/relationships" xmlns:p="http://schemas.openxmlformats.org/presentationml/2006/main" showMasterSp="1" showMasterPhAnim="1">
+  <p:cSld>
+    <p:spTree>
+      <p:nvGrpSpPr>
+        <p:cNvPr id="1" name=""/>
+        <p:cNvGrpSpPr/>
+        <p:nvPr/>
+      </p:nvGrpSpPr>
+      <p:grpSpPr>
+        <a:xfrm>
+          <a:off x="0" y="0"/>
+          <a:ext cx="0" cy="0"/>
+          <a:chOff x="0" y="0"/>
+          <a:chExt cx="0" cy="0"/>
+        </a:xfrm>
+      </p:grpSpPr>
+      <p:sp>
+        <p:nvSpPr>
+          <p:cNvPr id="275" name="Shape 275"/>
+          <p:cNvSpPr/>
+          <p:nvPr>
+            <p:ph type="title"/>
+          </p:nvPr>
+        </p:nvSpPr>
+        <p:spPr>
+          <a:prstGeom prst="rect">
+            <a:avLst/>
+          </a:prstGeom>
+        </p:spPr>
+        <p:txBody>
+          <a:bodyPr/>
+          <a:lstStyle/>
+          <a:p>
+            <a:pPr/>
+            <a:r>
+              <a:t>Homework</a:t>
+            </a:r>
+          </a:p>
+        </p:txBody>
+      </p:sp>
+      <p:sp>
+        <p:nvSpPr>
+          <p:cNvPr id="276" name="Shape 276"/>
+          <p:cNvSpPr/>
+          <p:nvPr>
+            <p:ph type="body" idx="1"/>
+          </p:nvPr>
+        </p:nvSpPr>
+        <p:spPr>
+          <a:prstGeom prst="rect">
+            <a:avLst/>
+          </a:prstGeom>
+        </p:spPr>
+        <p:txBody>
+          <a:bodyPr/>
+          <a:lstStyle/>
+          <a:p>
+            <a:pPr marL="342264" indent="-342264" defTabSz="449833">
+              <a:spcBef>
+                <a:spcPts val="3200"/>
+              </a:spcBef>
+              <a:defRPr sz="2772"/>
+            </a:pPr>
+            <a:r>
+              <a:t>Pizza </a:t>
+            </a:r>
+          </a:p>
+          <a:p>
+            <a:pPr lvl="1" marL="684529" indent="-342264" defTabSz="449833">
+              <a:spcBef>
+                <a:spcPts val="3200"/>
+              </a:spcBef>
+              <a:defRPr sz="2772"/>
+            </a:pPr>
+            <a:r>
+              <a:t>On each checkbox switch to a different imageView</a:t>
+            </a:r>
+          </a:p>
+          <a:p>
+            <a:pPr lvl="1" marL="684529" indent="-342264" defTabSz="449833">
+              <a:spcBef>
+                <a:spcPts val="3200"/>
+              </a:spcBef>
+              <a:defRPr sz="2772"/>
+            </a:pPr>
+            <a:r>
+              <a:t>What if two checkboxes are picked ? </a:t>
+            </a:r>
+          </a:p>
+          <a:p>
+            <a:pPr marL="342264" indent="-342264" defTabSz="449833">
+              <a:spcBef>
+                <a:spcPts val="3200"/>
+              </a:spcBef>
+              <a:defRPr sz="2772"/>
+            </a:pPr>
+            <a:r>
+              <a:t>TODO</a:t>
+            </a:r>
+          </a:p>
+          <a:p>
+            <a:pPr lvl="1" marL="684529" indent="-342264" defTabSz="449833">
+              <a:spcBef>
+                <a:spcPts val="3200"/>
+              </a:spcBef>
+              <a:defRPr sz="2772"/>
+            </a:pPr>
+            <a:r>
+              <a:t>Different users may have different tasks </a:t>
+            </a:r>
+          </a:p>
+          <a:p>
+            <a:pPr lvl="2" marL="1026794" indent="-342264" defTabSz="449833">
+              <a:spcBef>
+                <a:spcPts val="3200"/>
+              </a:spcBef>
+              <a:defRPr sz="2772"/>
+            </a:pPr>
+            <a:r>
+              <a:t>Add a login screen - username and password</a:t>
+            </a:r>
+          </a:p>
+          <a:p>
+            <a:pPr lvl="2" marL="1026794" indent="-342264" defTabSz="449833">
+              <a:spcBef>
+                <a:spcPts val="3200"/>
+              </a:spcBef>
+              <a:defRPr sz="2772"/>
+            </a:pPr>
+            <a:r>
+              <a:t>Save it using SharedPreferences </a:t>
+            </a:r>
+          </a:p>
+          <a:p>
+            <a:pPr lvl="2" marL="1026794" indent="-342264" defTabSz="449833">
+              <a:spcBef>
+                <a:spcPts val="3200"/>
+              </a:spcBef>
+              <a:defRPr sz="2772"/>
+            </a:pPr>
+            <a:r>
+              <a:t>Load the specific notes of the user</a:t>
             </a:r>
           </a:p>
         </p:txBody>
@@ -6595,40 +7479,47 @@
           <a:p>
             <a:pPr/>
             <a:r>
-              <a:t>Home work UI</a:t>
-            </a:r>
-          </a:p>
-        </p:txBody>
-      </p:sp>
-      <p:pic>
-        <p:nvPicPr>
-          <p:cNvPr id="135" name="pasted-image.png"/>
-          <p:cNvPicPr>
-            <a:picLocks noChangeAspect="1"/>
-          </p:cNvPicPr>
-          <p:nvPr/>
-        </p:nvPicPr>
-        <p:blipFill>
-          <a:blip r:embed="rId2">
-            <a:extLst/>
-          </a:blip>
-          <a:stretch>
-            <a:fillRect/>
-          </a:stretch>
-        </p:blipFill>
-        <p:spPr>
-          <a:xfrm>
-            <a:off x="4591050" y="2673350"/>
-            <a:ext cx="3822700" cy="6159500"/>
-          </a:xfrm>
-          <a:prstGeom prst="rect">
-            <a:avLst/>
-          </a:prstGeom>
-          <a:ln w="12700">
-            <a:miter lim="400000"/>
-          </a:ln>
-        </p:spPr>
-      </p:pic>
+              <a:t>Home work</a:t>
+            </a:r>
+          </a:p>
+        </p:txBody>
+      </p:sp>
+      <p:sp>
+        <p:nvSpPr>
+          <p:cNvPr id="135" name="Shape 135"/>
+          <p:cNvSpPr/>
+          <p:nvPr>
+            <p:ph type="body" idx="1"/>
+          </p:nvPr>
+        </p:nvSpPr>
+        <p:spPr>
+          <a:prstGeom prst="rect">
+            <a:avLst/>
+          </a:prstGeom>
+        </p:spPr>
+        <p:txBody>
+          <a:bodyPr/>
+          <a:lstStyle/>
+          <a:p>
+            <a:pPr/>
+            <a:r>
+              <a:t>Challenge - how to align them ? </a:t>
+            </a:r>
+          </a:p>
+          <a:p>
+            <a:pPr/>
+            <a:r>
+              <a:t>Hint: LinearLayout + LinearLayouts </a:t>
+            </a:r>
+          </a:p>
+          <a:p>
+            <a:pPr/>
+            <a:r>
+              <a:t>Any one wanna try ? </a:t>
+            </a:r>
+          </a:p>
+        </p:txBody>
+      </p:sp>
     </p:spTree>
   </p:cSld>
   <p:clrMapOvr>
@@ -6674,7 +7565,7 @@
           <a:p>
             <a:pPr/>
             <a:r>
-              <a:t>Homework solution</a:t>
+              <a:t>Home work UI</a:t>
             </a:r>
           </a:p>
         </p:txBody>
@@ -6697,8 +7588,8 @@
         </p:blipFill>
         <p:spPr>
           <a:xfrm>
-            <a:off x="3066362" y="2205593"/>
-            <a:ext cx="6872076" cy="7751207"/>
+            <a:off x="4591050" y="2673350"/>
+            <a:ext cx="3822700" cy="6159500"/>
           </a:xfrm>
           <a:prstGeom prst="rect">
             <a:avLst/>
@@ -6749,158 +7640,44 @@
         </p:spPr>
         <p:txBody>
           <a:bodyPr/>
-          <a:lstStyle>
-            <a:lvl1pPr defTabSz="490727">
-              <a:defRPr sz="6719"/>
-            </a:lvl1pPr>
-          </a:lstStyle>
-          <a:p>
-            <a:pPr/>
-            <a:r>
-              <a:t>Home work activity_main.xml</a:t>
-            </a:r>
-          </a:p>
-        </p:txBody>
-      </p:sp>
-      <p:sp>
-        <p:nvSpPr>
-          <p:cNvPr id="141" name="Shape 141"/>
-          <p:cNvSpPr/>
-          <p:nvPr>
-            <p:ph type="body" idx="1"/>
-          </p:nvPr>
-        </p:nvSpPr>
-        <p:spPr>
-          <a:prstGeom prst="rect">
-            <a:avLst/>
-          </a:prstGeom>
-        </p:spPr>
-        <p:txBody>
-          <a:bodyPr/>
           <a:lstStyle/>
           <a:p>
-            <a:pPr marL="240030" indent="-240030" defTabSz="315468">
-              <a:spcBef>
-                <a:spcPts val="2200"/>
-              </a:spcBef>
-              <a:defRPr sz="1944"/>
-            </a:pPr>
-            <a:r>
-              <a:t>RelativeLayout (why?)</a:t>
-            </a:r>
-          </a:p>
-          <a:p>
-            <a:pPr lvl="1" marL="480060" indent="-240030" defTabSz="315468">
-              <a:spcBef>
-                <a:spcPts val="2200"/>
-              </a:spcBef>
-              <a:defRPr sz="1944"/>
-            </a:pPr>
-            <a:r>
-              <a:t>LinearLayout</a:t>
-            </a:r>
-          </a:p>
-          <a:p>
-            <a:pPr lvl="2" marL="720090" indent="-240030" defTabSz="315468">
-              <a:spcBef>
-                <a:spcPts val="2200"/>
-              </a:spcBef>
-              <a:defRPr sz="1944"/>
-            </a:pPr>
-            <a:r>
-              <a:t>LinearLayout</a:t>
-            </a:r>
-          </a:p>
-          <a:p>
-            <a:pPr lvl="3" marL="960120" indent="-240030" defTabSz="315468">
-              <a:spcBef>
-                <a:spcPts val="2200"/>
-              </a:spcBef>
-              <a:defRPr sz="1944"/>
-            </a:pPr>
-            <a:r>
-              <a:t>TextView</a:t>
-            </a:r>
-          </a:p>
-          <a:p>
-            <a:pPr lvl="3" marL="960120" indent="-240030" defTabSz="315468">
-              <a:spcBef>
-                <a:spcPts val="2200"/>
-              </a:spcBef>
-              <a:defRPr sz="1944"/>
-            </a:pPr>
-            <a:r>
-              <a:t>Button</a:t>
-            </a:r>
-          </a:p>
-          <a:p>
-            <a:pPr lvl="2" marL="720090" indent="-240030" defTabSz="315468">
-              <a:spcBef>
-                <a:spcPts val="2200"/>
-              </a:spcBef>
-              <a:defRPr sz="1944"/>
-            </a:pPr>
-            <a:r>
-              <a:t>LinearLayout</a:t>
-            </a:r>
-          </a:p>
-          <a:p>
-            <a:pPr lvl="3" marL="960120" indent="-240030" defTabSz="315468">
-              <a:spcBef>
-                <a:spcPts val="2200"/>
-              </a:spcBef>
-              <a:defRPr sz="1944"/>
-            </a:pPr>
-            <a:r>
-              <a:t>TextView</a:t>
-            </a:r>
-          </a:p>
-          <a:p>
-            <a:pPr lvl="3" marL="960120" indent="-240030" defTabSz="315468">
-              <a:spcBef>
-                <a:spcPts val="2200"/>
-              </a:spcBef>
-              <a:defRPr sz="1944"/>
-            </a:pPr>
-            <a:r>
-              <a:t>Button</a:t>
-            </a:r>
-          </a:p>
-          <a:p>
-            <a:pPr lvl="2" marL="720090" indent="-240030" defTabSz="315468">
-              <a:spcBef>
-                <a:spcPts val="2200"/>
-              </a:spcBef>
-              <a:defRPr sz="1944"/>
-            </a:pPr>
-            <a:r>
-              <a:t>LinearLayout</a:t>
-            </a:r>
-          </a:p>
-          <a:p>
-            <a:pPr lvl="3" marL="960120" indent="-240030" defTabSz="315468">
-              <a:spcBef>
-                <a:spcPts val="2200"/>
-              </a:spcBef>
-              <a:defRPr sz="1944"/>
-            </a:pPr>
-            <a:r>
-              <a:t>TextView</a:t>
-            </a:r>
-          </a:p>
-          <a:p>
-            <a:pPr lvl="3" marL="960120" indent="-240030" defTabSz="315468">
-              <a:spcBef>
-                <a:spcPts val="2200"/>
-              </a:spcBef>
-              <a:defRPr sz="1944"/>
-            </a:pPr>
-            <a:r>
-              <a:t>Button</a:t>
-            </a:r>
-          </a:p>
-        </p:txBody>
-      </p:sp>
+            <a:pPr/>
+            <a:r>
+              <a:t>Homework solution</a:t>
+            </a:r>
+          </a:p>
+        </p:txBody>
+      </p:sp>
+      <p:pic>
+        <p:nvPicPr>
+          <p:cNvPr id="141" name="pasted-image.png"/>
+          <p:cNvPicPr>
+            <a:picLocks noChangeAspect="1"/>
+          </p:cNvPicPr>
+          <p:nvPr/>
+        </p:nvPicPr>
+        <p:blipFill>
+          <a:blip r:embed="rId2">
+            <a:extLst/>
+          </a:blip>
+          <a:stretch>
+            <a:fillRect/>
+          </a:stretch>
+        </p:blipFill>
+        <p:spPr>
+          <a:xfrm>
+            <a:off x="3066362" y="2205593"/>
+            <a:ext cx="6872076" cy="7751207"/>
+          </a:xfrm>
+          <a:prstGeom prst="rect">
+            <a:avLst/>
+          </a:prstGeom>
+          <a:ln w="12700">
+            <a:miter lim="400000"/>
+          </a:ln>
+        </p:spPr>
+      </p:pic>
     </p:spTree>
   </p:cSld>
   <p:clrMapOvr>
@@ -6942,11 +7719,15 @@
         </p:spPr>
         <p:txBody>
           <a:bodyPr/>
-          <a:lstStyle/>
-          <a:p>
-            <a:pPr/>
-            <a:r>
-              <a:t>Content table</a:t>
+          <a:lstStyle>
+            <a:lvl1pPr defTabSz="490727">
+              <a:defRPr sz="6719"/>
+            </a:lvl1pPr>
+          </a:lstStyle>
+          <a:p>
+            <a:pPr/>
+            <a:r>
+              <a:t>Home work activity_main.xml</a:t>
             </a:r>
           </a:p>
         </p:txBody>
@@ -6968,91 +7749,124 @@
           <a:bodyPr/>
           <a:lstStyle/>
           <a:p>
-            <a:pPr marL="342264" indent="-342264" defTabSz="449833">
+            <a:pPr marL="240030" indent="-240030" defTabSz="315468">
               <a:spcBef>
-                <a:spcPts val="3200"/>
+                <a:spcPts val="2200"/>
               </a:spcBef>
-              <a:defRPr sz="2772"/>
+              <a:defRPr sz="1944"/>
             </a:pPr>
             <a:r>
-              <a:t>Pizza app (from Android For Dummies)</a:t>
-            </a:r>
-          </a:p>
-          <a:p>
-            <a:pPr lvl="1" marL="684529" indent="-342264" defTabSz="449833">
+              <a:t>RelativeLayout (why?)</a:t>
+            </a:r>
+          </a:p>
+          <a:p>
+            <a:pPr lvl="1" marL="480060" indent="-240030" defTabSz="315468">
               <a:spcBef>
-                <a:spcPts val="3200"/>
+                <a:spcPts val="2200"/>
               </a:spcBef>
-              <a:defRPr sz="2772"/>
+              <a:defRPr sz="1944"/>
             </a:pPr>
             <a:r>
-              <a:t>More views and layouts</a:t>
-            </a:r>
-          </a:p>
-          <a:p>
-            <a:pPr lvl="1" marL="684529" indent="-342264" defTabSz="449833">
+              <a:t>LinearLayout</a:t>
+            </a:r>
+          </a:p>
+          <a:p>
+            <a:pPr lvl="2" marL="720090" indent="-240030" defTabSz="315468">
               <a:spcBef>
-                <a:spcPts val="3200"/>
+                <a:spcPts val="2200"/>
               </a:spcBef>
-              <a:defRPr sz="2772"/>
+              <a:defRPr sz="1944"/>
             </a:pPr>
             <a:r>
-              <a:t>Bitamp</a:t>
-            </a:r>
-          </a:p>
-          <a:p>
-            <a:pPr lvl="1" marL="684529" indent="-342264" defTabSz="449833">
+              <a:t>LinearLayout</a:t>
+            </a:r>
+          </a:p>
+          <a:p>
+            <a:pPr lvl="3" marL="960120" indent="-240030" defTabSz="315468">
               <a:spcBef>
-                <a:spcPts val="3200"/>
+                <a:spcPts val="2200"/>
               </a:spcBef>
-              <a:defRPr sz="2772"/>
+              <a:defRPr sz="1944"/>
             </a:pPr>
             <a:r>
-              <a:t>Passing data to another activity</a:t>
-            </a:r>
-          </a:p>
-          <a:p>
-            <a:pPr lvl="2" marL="1026794" indent="-342264" defTabSz="449833">
+              <a:t>TextView</a:t>
+            </a:r>
+          </a:p>
+          <a:p>
+            <a:pPr lvl="3" marL="960120" indent="-240030" defTabSz="315468">
               <a:spcBef>
-                <a:spcPts val="3200"/>
+                <a:spcPts val="2200"/>
               </a:spcBef>
-              <a:defRPr sz="2772"/>
+              <a:defRPr sz="1944"/>
             </a:pPr>
             <a:r>
-              <a:t>Intent </a:t>
-            </a:r>
-          </a:p>
-          <a:p>
-            <a:pPr marL="342264" indent="-342264" defTabSz="449833">
+              <a:t>Button</a:t>
+            </a:r>
+          </a:p>
+          <a:p>
+            <a:pPr lvl="2" marL="720090" indent="-240030" defTabSz="315468">
               <a:spcBef>
-                <a:spcPts val="3200"/>
+                <a:spcPts val="2200"/>
               </a:spcBef>
-              <a:defRPr sz="2772"/>
+              <a:defRPr sz="1944"/>
             </a:pPr>
             <a:r>
-              <a:t>TODO app</a:t>
-            </a:r>
-          </a:p>
-          <a:p>
-            <a:pPr lvl="1" marL="684529" indent="-342264" defTabSz="449833">
+              <a:t>LinearLayout</a:t>
+            </a:r>
+          </a:p>
+          <a:p>
+            <a:pPr lvl="3" marL="960120" indent="-240030" defTabSz="315468">
               <a:spcBef>
-                <a:spcPts val="3200"/>
+                <a:spcPts val="2200"/>
               </a:spcBef>
-              <a:defRPr sz="2772"/>
+              <a:defRPr sz="1944"/>
             </a:pPr>
             <a:r>
-              <a:t>ListView</a:t>
-            </a:r>
-          </a:p>
-          <a:p>
-            <a:pPr lvl="2" marL="1026794" indent="-342264" defTabSz="449833">
+              <a:t>TextView</a:t>
+            </a:r>
+          </a:p>
+          <a:p>
+            <a:pPr lvl="3" marL="960120" indent="-240030" defTabSz="315468">
               <a:spcBef>
-                <a:spcPts val="3200"/>
+                <a:spcPts val="2200"/>
               </a:spcBef>
-              <a:defRPr sz="2772"/>
+              <a:defRPr sz="1944"/>
             </a:pPr>
             <a:r>
-              <a:t>Array adapter </a:t>
+              <a:t>Button</a:t>
+            </a:r>
+          </a:p>
+          <a:p>
+            <a:pPr lvl="2" marL="720090" indent="-240030" defTabSz="315468">
+              <a:spcBef>
+                <a:spcPts val="2200"/>
+              </a:spcBef>
+              <a:defRPr sz="1944"/>
+            </a:pPr>
+            <a:r>
+              <a:t>LinearLayout</a:t>
+            </a:r>
+          </a:p>
+          <a:p>
+            <a:pPr lvl="3" marL="960120" indent="-240030" defTabSz="315468">
+              <a:spcBef>
+                <a:spcPts val="2200"/>
+              </a:spcBef>
+              <a:defRPr sz="1944"/>
+            </a:pPr>
+            <a:r>
+              <a:t>TextView</a:t>
+            </a:r>
+          </a:p>
+          <a:p>
+            <a:pPr lvl="3" marL="960120" indent="-240030" defTabSz="315468">
+              <a:spcBef>
+                <a:spcPts val="2200"/>
+              </a:spcBef>
+              <a:defRPr sz="1944"/>
+            </a:pPr>
+            <a:r>
+              <a:t>Button</a:t>
             </a:r>
           </a:p>
         </p:txBody>
@@ -7102,40 +7916,117 @@
           <a:p>
             <a:pPr/>
             <a:r>
-              <a:t>PIZZA !</a:t>
-            </a:r>
-          </a:p>
-        </p:txBody>
-      </p:sp>
-      <p:pic>
-        <p:nvPicPr>
-          <p:cNvPr id="147" name="pasted-image.png"/>
-          <p:cNvPicPr>
-            <a:picLocks noChangeAspect="1"/>
-          </p:cNvPicPr>
-          <p:nvPr/>
-        </p:nvPicPr>
-        <p:blipFill>
-          <a:blip r:embed="rId2">
-            <a:extLst/>
-          </a:blip>
-          <a:stretch>
-            <a:fillRect/>
-          </a:stretch>
-        </p:blipFill>
-        <p:spPr>
-          <a:xfrm>
-            <a:off x="4762500" y="2787650"/>
-            <a:ext cx="3479800" cy="5930900"/>
-          </a:xfrm>
-          <a:prstGeom prst="rect">
-            <a:avLst/>
-          </a:prstGeom>
-          <a:ln w="12700">
-            <a:miter lim="400000"/>
-          </a:ln>
-        </p:spPr>
-      </p:pic>
+              <a:t>Content table</a:t>
+            </a:r>
+          </a:p>
+        </p:txBody>
+      </p:sp>
+      <p:sp>
+        <p:nvSpPr>
+          <p:cNvPr id="147" name="Shape 147"/>
+          <p:cNvSpPr/>
+          <p:nvPr>
+            <p:ph type="body" idx="1"/>
+          </p:nvPr>
+        </p:nvSpPr>
+        <p:spPr>
+          <a:prstGeom prst="rect">
+            <a:avLst/>
+          </a:prstGeom>
+        </p:spPr>
+        <p:txBody>
+          <a:bodyPr/>
+          <a:lstStyle/>
+          <a:p>
+            <a:pPr marL="342264" indent="-342264" defTabSz="449833">
+              <a:spcBef>
+                <a:spcPts val="3200"/>
+              </a:spcBef>
+              <a:defRPr sz="2772"/>
+            </a:pPr>
+            <a:r>
+              <a:t>Pizza app (from Android For Dummies)</a:t>
+            </a:r>
+          </a:p>
+          <a:p>
+            <a:pPr lvl="1" marL="684529" indent="-342264" defTabSz="449833">
+              <a:spcBef>
+                <a:spcPts val="3200"/>
+              </a:spcBef>
+              <a:defRPr sz="2772"/>
+            </a:pPr>
+            <a:r>
+              <a:t>More views and layouts</a:t>
+            </a:r>
+          </a:p>
+          <a:p>
+            <a:pPr lvl="1" marL="684529" indent="-342264" defTabSz="449833">
+              <a:spcBef>
+                <a:spcPts val="3200"/>
+              </a:spcBef>
+              <a:defRPr sz="2772"/>
+            </a:pPr>
+            <a:r>
+              <a:t>Bitamp</a:t>
+            </a:r>
+          </a:p>
+          <a:p>
+            <a:pPr lvl="1" marL="684529" indent="-342264" defTabSz="449833">
+              <a:spcBef>
+                <a:spcPts val="3200"/>
+              </a:spcBef>
+              <a:defRPr sz="2772"/>
+            </a:pPr>
+            <a:r>
+              <a:t>Passing data to another activity</a:t>
+            </a:r>
+          </a:p>
+          <a:p>
+            <a:pPr lvl="2" marL="1026794" indent="-342264" defTabSz="449833">
+              <a:spcBef>
+                <a:spcPts val="3200"/>
+              </a:spcBef>
+              <a:defRPr sz="2772"/>
+            </a:pPr>
+            <a:r>
+              <a:t>Intent </a:t>
+            </a:r>
+          </a:p>
+          <a:p>
+            <a:pPr marL="342264" indent="-342264" defTabSz="449833">
+              <a:spcBef>
+                <a:spcPts val="3200"/>
+              </a:spcBef>
+              <a:defRPr sz="2772"/>
+            </a:pPr>
+            <a:r>
+              <a:t>TODO app</a:t>
+            </a:r>
+          </a:p>
+          <a:p>
+            <a:pPr lvl="1" marL="684529" indent="-342264" defTabSz="449833">
+              <a:spcBef>
+                <a:spcPts val="3200"/>
+              </a:spcBef>
+              <a:defRPr sz="2772"/>
+            </a:pPr>
+            <a:r>
+              <a:t>ListView</a:t>
+            </a:r>
+          </a:p>
+          <a:p>
+            <a:pPr lvl="2" marL="1026794" indent="-342264" defTabSz="449833">
+              <a:spcBef>
+                <a:spcPts val="3200"/>
+              </a:spcBef>
+              <a:defRPr sz="2772"/>
+            </a:pPr>
+            <a:r>
+              <a:t>Array adapter </a:t>
+            </a:r>
+          </a:p>
+        </p:txBody>
+      </p:sp>
     </p:spTree>
   </p:cSld>
   <p:clrMapOvr>
